--- a/slides/file_systems.pptx
+++ b/slides/file_systems.pptx
@@ -1,40 +1,41 @@
 
 <file path=ppt/presentation.xml><?xml version="1.0" encoding="utf-8"?>
-<p:presentation xmlns:a="http://schemas.openxmlformats.org/drawingml/2006/main" xmlns:r="http://schemas.openxmlformats.org/officeDocument/2006/relationships" xmlns:p="http://schemas.openxmlformats.org/presentationml/2006/main">
+<p:presentation xmlns:a="http://schemas.openxmlformats.org/drawingml/2006/main" xmlns:r="http://schemas.openxmlformats.org/officeDocument/2006/relationships" xmlns:p="http://schemas.openxmlformats.org/presentationml/2006/main" saveSubsetFonts="1">
   <p:sldMasterIdLst>
-    <p:sldMasterId id="2147483648" r:id="rId5"/>
+    <p:sldMasterId id="2147483648" r:id="rId1"/>
   </p:sldMasterIdLst>
   <p:notesMasterIdLst>
-    <p:notesMasterId r:id="rId7"/>
+    <p:notesMasterId r:id="rId28"/>
   </p:notesMasterIdLst>
   <p:sldIdLst>
-    <p:sldId id="256" r:id="rId8"/>
-    <p:sldId id="257" r:id="rId9"/>
-    <p:sldId id="258" r:id="rId10"/>
-    <p:sldId id="259" r:id="rId11"/>
-    <p:sldId id="260" r:id="rId12"/>
-    <p:sldId id="261" r:id="rId13"/>
-    <p:sldId id="262" r:id="rId14"/>
-    <p:sldId id="263" r:id="rId15"/>
-    <p:sldId id="264" r:id="rId16"/>
-    <p:sldId id="265" r:id="rId17"/>
-    <p:sldId id="266" r:id="rId18"/>
-    <p:sldId id="267" r:id="rId19"/>
-    <p:sldId id="268" r:id="rId20"/>
-    <p:sldId id="269" r:id="rId21"/>
-    <p:sldId id="270" r:id="rId22"/>
-    <p:sldId id="271" r:id="rId23"/>
-    <p:sldId id="272" r:id="rId24"/>
-    <p:sldId id="273" r:id="rId25"/>
-    <p:sldId id="274" r:id="rId26"/>
-    <p:sldId id="275" r:id="rId27"/>
-    <p:sldId id="276" r:id="rId28"/>
-    <p:sldId id="277" r:id="rId29"/>
-    <p:sldId id="278" r:id="rId30"/>
-    <p:sldId id="279" r:id="rId31"/>
-    <p:sldId id="280" r:id="rId32"/>
+    <p:sldId id="256" r:id="rId2"/>
+    <p:sldId id="257" r:id="rId3"/>
+    <p:sldId id="258" r:id="rId4"/>
+    <p:sldId id="259" r:id="rId5"/>
+    <p:sldId id="260" r:id="rId6"/>
+    <p:sldId id="261" r:id="rId7"/>
+    <p:sldId id="262" r:id="rId8"/>
+    <p:sldId id="263" r:id="rId9"/>
+    <p:sldId id="264" r:id="rId10"/>
+    <p:sldId id="265" r:id="rId11"/>
+    <p:sldId id="266" r:id="rId12"/>
+    <p:sldId id="267" r:id="rId13"/>
+    <p:sldId id="268" r:id="rId14"/>
+    <p:sldId id="269" r:id="rId15"/>
+    <p:sldId id="270" r:id="rId16"/>
+    <p:sldId id="271" r:id="rId17"/>
+    <p:sldId id="272" r:id="rId18"/>
+    <p:sldId id="273" r:id="rId19"/>
+    <p:sldId id="274" r:id="rId20"/>
+    <p:sldId id="275" r:id="rId21"/>
+    <p:sldId id="276" r:id="rId22"/>
+    <p:sldId id="277" r:id="rId23"/>
+    <p:sldId id="278" r:id="rId24"/>
+    <p:sldId id="279" r:id="rId25"/>
+    <p:sldId id="280" r:id="rId26"/>
+    <p:sldId id="281" r:id="rId27"/>
   </p:sldIdLst>
-  <p:sldSz cx="9144000" cy="6858000"/>
+  <p:sldSz cx="9144000" cy="6858000" type="screen4x3"/>
   <p:notesSz cx="6858000" cy="9144000"/>
   <p:defaultTextStyle>
     <a:defPPr marL="0" marR="0" indent="0" algn="l" defTabSz="914400" rtl="0" fontAlgn="auto" latinLnBrk="1" hangingPunct="0">
@@ -52,7 +53,7 @@
       <a:buFontTx/>
       <a:buNone/>
       <a:tabLst/>
-      <a:defRPr b="0" baseline="0" cap="none" i="0" spc="0" strike="noStrike" sz="1800" u="none" kumimoji="0" normalizeH="0">
+      <a:defRPr kumimoji="0" sz="1800" b="0" i="0" u="none" strike="noStrike" cap="none" spc="0" normalizeH="0" baseline="0">
         <a:ln>
           <a:noFill/>
         </a:ln>
@@ -78,7 +79,7 @@
       <a:buFontTx/>
       <a:buNone/>
       <a:tabLst/>
-      <a:defRPr b="0" baseline="0" cap="none" i="0" spc="0" strike="noStrike" sz="2400" u="none" kumimoji="0" normalizeH="0">
+      <a:defRPr kumimoji="0" sz="2400" b="0" i="0" u="none" strike="noStrike" cap="none" spc="0" normalizeH="0" baseline="0">
         <a:ln>
           <a:noFill/>
         </a:ln>
@@ -108,7 +109,7 @@
       <a:buFontTx/>
       <a:buNone/>
       <a:tabLst/>
-      <a:defRPr b="0" baseline="0" cap="none" i="0" spc="0" strike="noStrike" sz="2400" u="none" kumimoji="0" normalizeH="0">
+      <a:defRPr kumimoji="0" sz="2400" b="0" i="0" u="none" strike="noStrike" cap="none" spc="0" normalizeH="0" baseline="0">
         <a:ln>
           <a:noFill/>
         </a:ln>
@@ -138,7 +139,7 @@
       <a:buFontTx/>
       <a:buNone/>
       <a:tabLst/>
-      <a:defRPr b="0" baseline="0" cap="none" i="0" spc="0" strike="noStrike" sz="2400" u="none" kumimoji="0" normalizeH="0">
+      <a:defRPr kumimoji="0" sz="2400" b="0" i="0" u="none" strike="noStrike" cap="none" spc="0" normalizeH="0" baseline="0">
         <a:ln>
           <a:noFill/>
         </a:ln>
@@ -168,7 +169,7 @@
       <a:buFontTx/>
       <a:buNone/>
       <a:tabLst/>
-      <a:defRPr b="0" baseline="0" cap="none" i="0" spc="0" strike="noStrike" sz="2400" u="none" kumimoji="0" normalizeH="0">
+      <a:defRPr kumimoji="0" sz="2400" b="0" i="0" u="none" strike="noStrike" cap="none" spc="0" normalizeH="0" baseline="0">
         <a:ln>
           <a:noFill/>
         </a:ln>
@@ -198,7 +199,7 @@
       <a:buFontTx/>
       <a:buNone/>
       <a:tabLst/>
-      <a:defRPr b="0" baseline="0" cap="none" i="0" spc="0" strike="noStrike" sz="2400" u="none" kumimoji="0" normalizeH="0">
+      <a:defRPr kumimoji="0" sz="2400" b="0" i="0" u="none" strike="noStrike" cap="none" spc="0" normalizeH="0" baseline="0">
         <a:ln>
           <a:noFill/>
         </a:ln>
@@ -228,7 +229,7 @@
       <a:buFontTx/>
       <a:buNone/>
       <a:tabLst/>
-      <a:defRPr b="0" baseline="0" cap="none" i="0" spc="0" strike="noStrike" sz="2400" u="none" kumimoji="0" normalizeH="0">
+      <a:defRPr kumimoji="0" sz="2400" b="0" i="0" u="none" strike="noStrike" cap="none" spc="0" normalizeH="0" baseline="0">
         <a:ln>
           <a:noFill/>
         </a:ln>
@@ -258,7 +259,7 @@
       <a:buFontTx/>
       <a:buNone/>
       <a:tabLst/>
-      <a:defRPr b="0" baseline="0" cap="none" i="0" spc="0" strike="noStrike" sz="2400" u="none" kumimoji="0" normalizeH="0">
+      <a:defRPr kumimoji="0" sz="2400" b="0" i="0" u="none" strike="noStrike" cap="none" spc="0" normalizeH="0" baseline="0">
         <a:ln>
           <a:noFill/>
         </a:ln>
@@ -288,7 +289,7 @@
       <a:buFontTx/>
       <a:buNone/>
       <a:tabLst/>
-      <a:defRPr b="0" baseline="0" cap="none" i="0" spc="0" strike="noStrike" sz="2400" u="none" kumimoji="0" normalizeH="0">
+      <a:defRPr kumimoji="0" sz="2400" b="0" i="0" u="none" strike="noStrike" cap="none" spc="0" normalizeH="0" baseline="0">
         <a:ln>
           <a:noFill/>
         </a:ln>
@@ -318,7 +319,7 @@
       <a:buFontTx/>
       <a:buNone/>
       <a:tabLst/>
-      <a:defRPr b="0" baseline="0" cap="none" i="0" spc="0" strike="noStrike" sz="2400" u="none" kumimoji="0" normalizeH="0">
+      <a:defRPr kumimoji="0" sz="2400" b="0" i="0" u="none" strike="noStrike" cap="none" spc="0" normalizeH="0" baseline="0">
         <a:ln>
           <a:noFill/>
         </a:ln>
@@ -337,13 +338,14 @@
 </p:presentation>
 </file>
 
-<file path=ppt/commentAuthors.xml><?xml version="1.0" encoding="utf-8"?>
-<p:cmAuthorLst xmlns:a="http://schemas.openxmlformats.org/drawingml/2006/main" xmlns:r="http://schemas.openxmlformats.org/officeDocument/2006/relationships" xmlns:p="http://schemas.openxmlformats.org/presentationml/2006/main"/>
-</file>
-
 <file path=ppt/notesMasters/notesMaster1.xml><?xml version="1.0" encoding="utf-8"?>
 <p:notesMaster xmlns:a="http://schemas.openxmlformats.org/drawingml/2006/main" xmlns:r="http://schemas.openxmlformats.org/officeDocument/2006/relationships" xmlns:p="http://schemas.openxmlformats.org/presentationml/2006/main">
   <p:cSld>
+    <p:bg>
+      <p:bgRef idx="1001">
+        <a:schemeClr val="bg1"/>
+      </p:bgRef>
+    </p:bg>
     <p:spTree>
       <p:nvGrpSpPr>
         <p:cNvPr id="1" name=""/>
@@ -361,7 +363,9 @@
       <p:sp>
         <p:nvSpPr>
           <p:cNvPr id="28" name="Shape 28"/>
-          <p:cNvSpPr/>
+          <p:cNvSpPr>
+            <a:spLocks noGrp="1" noRot="1" noChangeAspect="1"/>
+          </p:cNvSpPr>
           <p:nvPr>
             <p:ph type="sldImg"/>
           </p:nvPr>
@@ -379,14 +383,16 @@
           <a:bodyPr/>
           <a:lstStyle/>
           <a:p>
-            <a:pPr/>
+            <a:endParaRPr/>
           </a:p>
         </p:txBody>
       </p:sp>
       <p:sp>
         <p:nvSpPr>
           <p:cNvPr id="29" name="Shape 29"/>
-          <p:cNvSpPr/>
+          <p:cNvSpPr>
+            <a:spLocks noGrp="1"/>
+          </p:cNvSpPr>
           <p:nvPr>
             <p:ph type="body" sz="quarter" idx="1"/>
           </p:nvPr>
@@ -404,7 +410,7 @@
           <a:bodyPr/>
           <a:lstStyle/>
           <a:p>
-            <a:pPr/>
+            <a:endParaRPr/>
           </a:p>
         </p:txBody>
       </p:sp>
@@ -516,7 +522,7 @@
 </file>
 
 <file path=ppt/slideLayouts/slideLayout1.xml><?xml version="1.0" encoding="utf-8"?>
-<p:sldLayout xmlns:a="http://schemas.openxmlformats.org/drawingml/2006/main" xmlns:r="http://schemas.openxmlformats.org/officeDocument/2006/relationships" xmlns:p="http://schemas.openxmlformats.org/presentationml/2006/main" type="title" showMasterSp="1" showMasterPhAnim="1">
+<p:sldLayout xmlns:a="http://schemas.openxmlformats.org/drawingml/2006/main" xmlns:r="http://schemas.openxmlformats.org/officeDocument/2006/relationships" xmlns:p="http://schemas.openxmlformats.org/presentationml/2006/main" type="title">
   <p:cSld name="Default">
     <p:spTree>
       <p:nvGrpSpPr>
@@ -535,7 +541,9 @@
       <p:sp>
         <p:nvSpPr>
           <p:cNvPr id="11" name="Shape 11"/>
-          <p:cNvSpPr/>
+          <p:cNvSpPr>
+            <a:spLocks noGrp="1"/>
+          </p:cNvSpPr>
           <p:nvPr>
             <p:ph type="sldNum" sz="quarter" idx="2"/>
           </p:nvPr>
@@ -549,15 +557,19 @@
           <a:bodyPr/>
           <a:lstStyle/>
           <a:p>
-            <a:pPr/>
-            <a:fld id="{86CB4B4D-7CA3-9044-876B-883B54F8677D}" type="slidenum"/>
+            <a:fld id="{86CB4B4D-7CA3-9044-876B-883B54F8677D}" type="slidenum">
+              <a:t>‹#›</a:t>
+            </a:fld>
+            <a:endParaRPr/>
           </a:p>
         </p:txBody>
       </p:sp>
       <p:sp>
         <p:nvSpPr>
           <p:cNvPr id="12" name="Shape 12"/>
-          <p:cNvSpPr/>
+          <p:cNvSpPr>
+            <a:spLocks noGrp="1"/>
+          </p:cNvSpPr>
           <p:nvPr>
             <p:ph type="title"/>
           </p:nvPr>
@@ -575,7 +587,6 @@
           <a:bodyPr/>
           <a:lstStyle/>
           <a:p>
-            <a:pPr/>
             <a:r>
               <a:t>Title Text</a:t>
             </a:r>
@@ -585,7 +596,9 @@
       <p:sp>
         <p:nvSpPr>
           <p:cNvPr id="13" name="Shape 13"/>
-          <p:cNvSpPr/>
+          <p:cNvSpPr>
+            <a:spLocks noGrp="1"/>
+          </p:cNvSpPr>
           <p:nvPr>
             <p:ph type="body" sz="half" idx="1"/>
           </p:nvPr>
@@ -624,7 +637,6 @@
             </a:lvl5pPr>
           </a:lstStyle>
           <a:p>
-            <a:pPr/>
             <a:r>
               <a:t>Body Level One</a:t>
             </a:r>
@@ -660,12 +672,12 @@
   <p:clrMapOvr>
     <a:masterClrMapping/>
   </p:clrMapOvr>
-  <p:transition xmlns:p14="http://schemas.microsoft.com/office/powerpoint/2010/main" spd="med" advClick="1"/>
+  <p:transition spd="med"/>
 </p:sldLayout>
 </file>
 
 <file path=ppt/slideLayouts/slideLayout2.xml><?xml version="1.0" encoding="utf-8"?>
-<p:sldLayout xmlns:a="http://schemas.openxmlformats.org/drawingml/2006/main" xmlns:r="http://schemas.openxmlformats.org/officeDocument/2006/relationships" xmlns:p="http://schemas.openxmlformats.org/presentationml/2006/main" type="tx" showMasterSp="1" showMasterPhAnim="1">
+<p:sldLayout xmlns:a="http://schemas.openxmlformats.org/drawingml/2006/main" xmlns:r="http://schemas.openxmlformats.org/officeDocument/2006/relationships" xmlns:p="http://schemas.openxmlformats.org/presentationml/2006/main" type="tx">
   <p:cSld name="Default">
     <p:spTree>
       <p:nvGrpSpPr>
@@ -684,7 +696,9 @@
       <p:sp>
         <p:nvSpPr>
           <p:cNvPr id="20" name="Shape 20"/>
-          <p:cNvSpPr/>
+          <p:cNvSpPr>
+            <a:spLocks noGrp="1"/>
+          </p:cNvSpPr>
           <p:nvPr>
             <p:ph type="title"/>
           </p:nvPr>
@@ -698,7 +712,6 @@
           <a:bodyPr/>
           <a:lstStyle/>
           <a:p>
-            <a:pPr/>
             <a:r>
               <a:t>Title Text</a:t>
             </a:r>
@@ -708,7 +721,9 @@
       <p:sp>
         <p:nvSpPr>
           <p:cNvPr id="21" name="Shape 21"/>
-          <p:cNvSpPr/>
+          <p:cNvSpPr>
+            <a:spLocks noGrp="1"/>
+          </p:cNvSpPr>
           <p:nvPr>
             <p:ph type="body" idx="1"/>
           </p:nvPr>
@@ -722,7 +737,6 @@
           <a:bodyPr/>
           <a:lstStyle/>
           <a:p>
-            <a:pPr/>
             <a:r>
               <a:t>Body Level One</a:t>
             </a:r>
@@ -756,7 +770,9 @@
       <p:sp>
         <p:nvSpPr>
           <p:cNvPr id="22" name="Shape 22"/>
-          <p:cNvSpPr/>
+          <p:cNvSpPr>
+            <a:spLocks noGrp="1"/>
+          </p:cNvSpPr>
           <p:nvPr>
             <p:ph type="sldNum" sz="quarter" idx="2"/>
           </p:nvPr>
@@ -770,8 +786,10 @@
           <a:bodyPr/>
           <a:lstStyle/>
           <a:p>
-            <a:pPr/>
-            <a:fld id="{86CB4B4D-7CA3-9044-876B-883B54F8677D}" type="slidenum"/>
+            <a:fld id="{86CB4B4D-7CA3-9044-876B-883B54F8677D}" type="slidenum">
+              <a:t>‹#›</a:t>
+            </a:fld>
+            <a:endParaRPr/>
           </a:p>
         </p:txBody>
       </p:sp>
@@ -780,7 +798,7 @@
   <p:clrMapOvr>
     <a:masterClrMapping/>
   </p:clrMapOvr>
-  <p:transition xmlns:p14="http://schemas.microsoft.com/office/powerpoint/2010/main" spd="med" advClick="1"/>
+  <p:transition spd="med"/>
 </p:sldLayout>
 </file>
 
@@ -794,6 +812,7 @@
             <a:lumOff val="44000"/>
           </a:schemeClr>
         </a:solidFill>
+        <a:effectLst/>
       </p:bgPr>
     </p:bg>
     <p:spTree>
@@ -813,7 +832,9 @@
       <p:sp>
         <p:nvSpPr>
           <p:cNvPr id="2" name="Shape 2"/>
-          <p:cNvSpPr/>
+          <p:cNvSpPr>
+            <a:spLocks noGrp="1"/>
+          </p:cNvSpPr>
           <p:nvPr>
             <p:ph type="title"/>
           </p:nvPr>
@@ -839,7 +860,6 @@
           <a:bodyPr lIns="45719" rIns="45719" anchor="ctr"/>
           <a:lstStyle/>
           <a:p>
-            <a:pPr/>
             <a:r>
               <a:t>Title Text</a:t>
             </a:r>
@@ -849,7 +869,9 @@
       <p:sp>
         <p:nvSpPr>
           <p:cNvPr id="3" name="Shape 3"/>
-          <p:cNvSpPr/>
+          <p:cNvSpPr>
+            <a:spLocks noGrp="1"/>
+          </p:cNvSpPr>
           <p:nvPr>
             <p:ph type="body" idx="1"/>
           </p:nvPr>
@@ -875,7 +897,6 @@
           <a:bodyPr lIns="45719" rIns="45719"/>
           <a:lstStyle/>
           <a:p>
-            <a:pPr/>
             <a:r>
               <a:t>Body Level One</a:t>
             </a:r>
@@ -909,7 +930,9 @@
       <p:sp>
         <p:nvSpPr>
           <p:cNvPr id="4" name="Shape 4"/>
-          <p:cNvSpPr/>
+          <p:cNvSpPr>
+            <a:spLocks noGrp="1"/>
+          </p:cNvSpPr>
           <p:nvPr>
             <p:ph type="sldNum" sz="quarter" idx="2"/>
           </p:nvPr>
@@ -936,8 +959,10 @@
             </a:lvl1pPr>
           </a:lstStyle>
           <a:p>
-            <a:pPr/>
-            <a:fld id="{86CB4B4D-7CA3-9044-876B-883B54F8677D}" type="slidenum"/>
+            <a:fld id="{86CB4B4D-7CA3-9044-876B-883B54F8677D}" type="slidenum">
+              <a:t>‹#›</a:t>
+            </a:fld>
+            <a:endParaRPr/>
           </a:p>
         </p:txBody>
       </p:sp>
@@ -945,10 +970,10 @@
   </p:cSld>
   <p:clrMap bg1="lt1" tx1="dk1" bg2="lt2" tx2="dk2" accent1="accent1" accent2="accent2" accent3="accent3" accent4="accent4" accent5="accent5" accent6="accent6" hlink="hlink" folHlink="folHlink"/>
   <p:sldLayoutIdLst>
-    <p:sldLayoutId id="2147483649" r:id="rId2"/>
-    <p:sldLayoutId id="2147483650" r:id="rId3"/>
+    <p:sldLayoutId id="2147483649" r:id="rId1"/>
+    <p:sldLayoutId id="2147483650" r:id="rId2"/>
   </p:sldLayoutIdLst>
-  <p:transition xmlns:p14="http://schemas.microsoft.com/office/powerpoint/2010/main" spd="med" advClick="1"/>
+  <p:transition spd="med"/>
   <p:txStyles>
     <p:titleStyle>
       <a:lvl1pPr marL="0" marR="0" indent="0" algn="l" defTabSz="914400" latinLnBrk="0">
@@ -966,7 +991,7 @@
         <a:buFontTx/>
         <a:buNone/>
         <a:tabLst/>
-        <a:defRPr b="0" baseline="0" cap="none" i="0" spc="0" strike="noStrike" sz="4400" u="none">
+        <a:defRPr sz="4400" b="0" i="0" u="none" strike="noStrike" cap="none" spc="0" baseline="0">
           <a:ln>
             <a:noFill/>
           </a:ln>
@@ -995,7 +1020,7 @@
         <a:buFontTx/>
         <a:buNone/>
         <a:tabLst/>
-        <a:defRPr b="0" baseline="0" cap="none" i="0" spc="0" strike="noStrike" sz="4400" u="none">
+        <a:defRPr sz="4400" b="0" i="0" u="none" strike="noStrike" cap="none" spc="0" baseline="0">
           <a:ln>
             <a:noFill/>
           </a:ln>
@@ -1024,7 +1049,7 @@
         <a:buFontTx/>
         <a:buNone/>
         <a:tabLst/>
-        <a:defRPr b="0" baseline="0" cap="none" i="0" spc="0" strike="noStrike" sz="4400" u="none">
+        <a:defRPr sz="4400" b="0" i="0" u="none" strike="noStrike" cap="none" spc="0" baseline="0">
           <a:ln>
             <a:noFill/>
           </a:ln>
@@ -1053,7 +1078,7 @@
         <a:buFontTx/>
         <a:buNone/>
         <a:tabLst/>
-        <a:defRPr b="0" baseline="0" cap="none" i="0" spc="0" strike="noStrike" sz="4400" u="none">
+        <a:defRPr sz="4400" b="0" i="0" u="none" strike="noStrike" cap="none" spc="0" baseline="0">
           <a:ln>
             <a:noFill/>
           </a:ln>
@@ -1082,7 +1107,7 @@
         <a:buFontTx/>
         <a:buNone/>
         <a:tabLst/>
-        <a:defRPr b="0" baseline="0" cap="none" i="0" spc="0" strike="noStrike" sz="4400" u="none">
+        <a:defRPr sz="4400" b="0" i="0" u="none" strike="noStrike" cap="none" spc="0" baseline="0">
           <a:ln>
             <a:noFill/>
           </a:ln>
@@ -1111,7 +1136,7 @@
         <a:buFontTx/>
         <a:buNone/>
         <a:tabLst/>
-        <a:defRPr b="0" baseline="0" cap="none" i="0" spc="0" strike="noStrike" sz="4400" u="none">
+        <a:defRPr sz="4400" b="0" i="0" u="none" strike="noStrike" cap="none" spc="0" baseline="0">
           <a:ln>
             <a:noFill/>
           </a:ln>
@@ -1140,7 +1165,7 @@
         <a:buFontTx/>
         <a:buNone/>
         <a:tabLst/>
-        <a:defRPr b="0" baseline="0" cap="none" i="0" spc="0" strike="noStrike" sz="4400" u="none">
+        <a:defRPr sz="4400" b="0" i="0" u="none" strike="noStrike" cap="none" spc="0" baseline="0">
           <a:ln>
             <a:noFill/>
           </a:ln>
@@ -1169,7 +1194,7 @@
         <a:buFontTx/>
         <a:buNone/>
         <a:tabLst/>
-        <a:defRPr b="0" baseline="0" cap="none" i="0" spc="0" strike="noStrike" sz="4400" u="none">
+        <a:defRPr sz="4400" b="0" i="0" u="none" strike="noStrike" cap="none" spc="0" baseline="0">
           <a:ln>
             <a:noFill/>
           </a:ln>
@@ -1198,7 +1223,7 @@
         <a:buFontTx/>
         <a:buNone/>
         <a:tabLst/>
-        <a:defRPr b="0" baseline="0" cap="none" i="0" spc="0" strike="noStrike" sz="4400" u="none">
+        <a:defRPr sz="4400" b="0" i="0" u="none" strike="noStrike" cap="none" spc="0" baseline="0">
           <a:ln>
             <a:noFill/>
           </a:ln>
@@ -1229,7 +1254,7 @@
         <a:buFontTx/>
         <a:buChar char="•"/>
         <a:tabLst/>
-        <a:defRPr b="0" baseline="0" cap="none" i="0" spc="0" strike="noStrike" sz="3200" u="none">
+        <a:defRPr sz="3200" b="0" i="0" u="none" strike="noStrike" cap="none" spc="0" baseline="0">
           <a:ln>
             <a:noFill/>
           </a:ln>
@@ -1258,7 +1283,7 @@
         <a:buFontTx/>
         <a:buChar char="•"/>
         <a:tabLst/>
-        <a:defRPr b="0" baseline="0" cap="none" i="0" spc="0" strike="noStrike" sz="3200" u="none">
+        <a:defRPr sz="3200" b="0" i="0" u="none" strike="noStrike" cap="none" spc="0" baseline="0">
           <a:ln>
             <a:noFill/>
           </a:ln>
@@ -1287,7 +1312,7 @@
         <a:buFontTx/>
         <a:buChar char="•"/>
         <a:tabLst/>
-        <a:defRPr b="0" baseline="0" cap="none" i="0" spc="0" strike="noStrike" sz="3200" u="none">
+        <a:defRPr sz="3200" b="0" i="0" u="none" strike="noStrike" cap="none" spc="0" baseline="0">
           <a:ln>
             <a:noFill/>
           </a:ln>
@@ -1316,7 +1341,7 @@
         <a:buFontTx/>
         <a:buChar char="•"/>
         <a:tabLst/>
-        <a:defRPr b="0" baseline="0" cap="none" i="0" spc="0" strike="noStrike" sz="3200" u="none">
+        <a:defRPr sz="3200" b="0" i="0" u="none" strike="noStrike" cap="none" spc="0" baseline="0">
           <a:ln>
             <a:noFill/>
           </a:ln>
@@ -1345,7 +1370,7 @@
         <a:buFontTx/>
         <a:buChar char="•"/>
         <a:tabLst/>
-        <a:defRPr b="0" baseline="0" cap="none" i="0" spc="0" strike="noStrike" sz="3200" u="none">
+        <a:defRPr sz="3200" b="0" i="0" u="none" strike="noStrike" cap="none" spc="0" baseline="0">
           <a:ln>
             <a:noFill/>
           </a:ln>
@@ -1374,7 +1399,7 @@
         <a:buFontTx/>
         <a:buChar char="•"/>
         <a:tabLst/>
-        <a:defRPr b="0" baseline="0" cap="none" i="0" spc="0" strike="noStrike" sz="3200" u="none">
+        <a:defRPr sz="3200" b="0" i="0" u="none" strike="noStrike" cap="none" spc="0" baseline="0">
           <a:ln>
             <a:noFill/>
           </a:ln>
@@ -1403,7 +1428,7 @@
         <a:buFontTx/>
         <a:buChar char="•"/>
         <a:tabLst/>
-        <a:defRPr b="0" baseline="0" cap="none" i="0" spc="0" strike="noStrike" sz="3200" u="none">
+        <a:defRPr sz="3200" b="0" i="0" u="none" strike="noStrike" cap="none" spc="0" baseline="0">
           <a:ln>
             <a:noFill/>
           </a:ln>
@@ -1432,7 +1457,7 @@
         <a:buFontTx/>
         <a:buChar char="•"/>
         <a:tabLst/>
-        <a:defRPr b="0" baseline="0" cap="none" i="0" spc="0" strike="noStrike" sz="3200" u="none">
+        <a:defRPr sz="3200" b="0" i="0" u="none" strike="noStrike" cap="none" spc="0" baseline="0">
           <a:ln>
             <a:noFill/>
           </a:ln>
@@ -1461,7 +1486,7 @@
         <a:buFontTx/>
         <a:buChar char="•"/>
         <a:tabLst/>
-        <a:defRPr b="0" baseline="0" cap="none" i="0" spc="0" strike="noStrike" sz="3200" u="none">
+        <a:defRPr sz="3200" b="0" i="0" u="none" strike="noStrike" cap="none" spc="0" baseline="0">
           <a:ln>
             <a:noFill/>
           </a:ln>
@@ -1492,7 +1517,7 @@
         <a:buFontTx/>
         <a:buNone/>
         <a:tabLst/>
-        <a:defRPr b="0" baseline="0" cap="none" i="0" spc="0" strike="noStrike" sz="1400" u="none">
+        <a:defRPr sz="1400" b="0" i="0" u="none" strike="noStrike" cap="none" spc="0" baseline="0">
           <a:ln>
             <a:noFill/>
           </a:ln>
@@ -1521,7 +1546,7 @@
         <a:buFontTx/>
         <a:buNone/>
         <a:tabLst/>
-        <a:defRPr b="0" baseline="0" cap="none" i="0" spc="0" strike="noStrike" sz="1400" u="none">
+        <a:defRPr sz="1400" b="0" i="0" u="none" strike="noStrike" cap="none" spc="0" baseline="0">
           <a:ln>
             <a:noFill/>
           </a:ln>
@@ -1550,7 +1575,7 @@
         <a:buFontTx/>
         <a:buNone/>
         <a:tabLst/>
-        <a:defRPr b="0" baseline="0" cap="none" i="0" spc="0" strike="noStrike" sz="1400" u="none">
+        <a:defRPr sz="1400" b="0" i="0" u="none" strike="noStrike" cap="none" spc="0" baseline="0">
           <a:ln>
             <a:noFill/>
           </a:ln>
@@ -1579,7 +1604,7 @@
         <a:buFontTx/>
         <a:buNone/>
         <a:tabLst/>
-        <a:defRPr b="0" baseline="0" cap="none" i="0" spc="0" strike="noStrike" sz="1400" u="none">
+        <a:defRPr sz="1400" b="0" i="0" u="none" strike="noStrike" cap="none" spc="0" baseline="0">
           <a:ln>
             <a:noFill/>
           </a:ln>
@@ -1608,7 +1633,7 @@
         <a:buFontTx/>
         <a:buNone/>
         <a:tabLst/>
-        <a:defRPr b="0" baseline="0" cap="none" i="0" spc="0" strike="noStrike" sz="1400" u="none">
+        <a:defRPr sz="1400" b="0" i="0" u="none" strike="noStrike" cap="none" spc="0" baseline="0">
           <a:ln>
             <a:noFill/>
           </a:ln>
@@ -1637,7 +1662,7 @@
         <a:buFontTx/>
         <a:buNone/>
         <a:tabLst/>
-        <a:defRPr b="0" baseline="0" cap="none" i="0" spc="0" strike="noStrike" sz="1400" u="none">
+        <a:defRPr sz="1400" b="0" i="0" u="none" strike="noStrike" cap="none" spc="0" baseline="0">
           <a:ln>
             <a:noFill/>
           </a:ln>
@@ -1666,7 +1691,7 @@
         <a:buFontTx/>
         <a:buNone/>
         <a:tabLst/>
-        <a:defRPr b="0" baseline="0" cap="none" i="0" spc="0" strike="noStrike" sz="1400" u="none">
+        <a:defRPr sz="1400" b="0" i="0" u="none" strike="noStrike" cap="none" spc="0" baseline="0">
           <a:ln>
             <a:noFill/>
           </a:ln>
@@ -1695,7 +1720,7 @@
         <a:buFontTx/>
         <a:buNone/>
         <a:tabLst/>
-        <a:defRPr b="0" baseline="0" cap="none" i="0" spc="0" strike="noStrike" sz="1400" u="none">
+        <a:defRPr sz="1400" b="0" i="0" u="none" strike="noStrike" cap="none" spc="0" baseline="0">
           <a:ln>
             <a:noFill/>
           </a:ln>
@@ -1724,7 +1749,7 @@
         <a:buFontTx/>
         <a:buNone/>
         <a:tabLst/>
-        <a:defRPr b="0" baseline="0" cap="none" i="0" spc="0" strike="noStrike" sz="1400" u="none">
+        <a:defRPr sz="1400" b="0" i="0" u="none" strike="noStrike" cap="none" spc="0" baseline="0">
           <a:ln>
             <a:noFill/>
           </a:ln>
@@ -1744,7 +1769,7 @@
 </file>
 
 <file path=ppt/slides/slide1.xml><?xml version="1.0" encoding="utf-8"?>
-<p:sld xmlns:a="http://schemas.openxmlformats.org/drawingml/2006/main" xmlns:r="http://schemas.openxmlformats.org/officeDocument/2006/relationships" xmlns:p="http://schemas.openxmlformats.org/presentationml/2006/main" showMasterSp="1" showMasterPhAnim="1">
+<p:sld xmlns:a="http://schemas.openxmlformats.org/drawingml/2006/main" xmlns:r="http://schemas.openxmlformats.org/officeDocument/2006/relationships" xmlns:p="http://schemas.openxmlformats.org/presentationml/2006/main">
   <p:cSld>
     <p:spTree>
       <p:nvGrpSpPr>
@@ -1763,7 +1788,9 @@
       <p:sp>
         <p:nvSpPr>
           <p:cNvPr id="31" name="Shape 31"/>
-          <p:cNvSpPr/>
+          <p:cNvSpPr>
+            <a:spLocks noGrp="1"/>
+          </p:cNvSpPr>
           <p:nvPr>
             <p:ph type="sldNum" sz="quarter" idx="2"/>
           </p:nvPr>
@@ -1782,15 +1809,19 @@
           <a:bodyPr/>
           <a:lstStyle/>
           <a:p>
-            <a:pPr/>
-            <a:fld id="{86CB4B4D-7CA3-9044-876B-883B54F8677D}" type="slidenum"/>
+            <a:fld id="{86CB4B4D-7CA3-9044-876B-883B54F8677D}" type="slidenum">
+              <a:t>1</a:t>
+            </a:fld>
+            <a:endParaRPr/>
           </a:p>
         </p:txBody>
       </p:sp>
       <p:sp>
         <p:nvSpPr>
           <p:cNvPr id="32" name="Shape 32"/>
-          <p:cNvSpPr/>
+          <p:cNvSpPr>
+            <a:spLocks noGrp="1"/>
+          </p:cNvSpPr>
           <p:nvPr>
             <p:ph type="ctrTitle"/>
           </p:nvPr>
@@ -1804,7 +1835,6 @@
           <a:bodyPr/>
           <a:lstStyle/>
           <a:p>
-            <a:pPr/>
             <a:r>
               <a:t>File Systems</a:t>
             </a:r>
@@ -1814,7 +1844,9 @@
       <p:sp>
         <p:nvSpPr>
           <p:cNvPr id="33" name="Shape 33"/>
-          <p:cNvSpPr/>
+          <p:cNvSpPr>
+            <a:spLocks noGrp="1"/>
+          </p:cNvSpPr>
           <p:nvPr>
             <p:ph type="subTitle" sz="half" idx="1"/>
           </p:nvPr>
@@ -1839,6 +1871,7 @@
             <a:pPr>
               <a:defRPr sz="2200"/>
             </a:pPr>
+            <a:endParaRPr/>
           </a:p>
           <a:p>
             <a:pPr>
@@ -1860,6 +1893,7 @@
             <a:pPr>
               <a:defRPr sz="2200"/>
             </a:pPr>
+            <a:endParaRPr/>
           </a:p>
         </p:txBody>
       </p:sp>
@@ -1868,12 +1902,12 @@
   <p:clrMapOvr>
     <a:masterClrMapping/>
   </p:clrMapOvr>
-  <p:transition xmlns:p14="http://schemas.microsoft.com/office/powerpoint/2010/main" spd="med" advClick="1"/>
+  <p:transition spd="med"/>
 </p:sld>
 </file>
 
 <file path=ppt/slides/slide10.xml><?xml version="1.0" encoding="utf-8"?>
-<p:sld xmlns:a="http://schemas.openxmlformats.org/drawingml/2006/main" xmlns:r="http://schemas.openxmlformats.org/officeDocument/2006/relationships" xmlns:p="http://schemas.openxmlformats.org/presentationml/2006/main" showMasterSp="1" showMasterPhAnim="1">
+<p:sld xmlns:a="http://schemas.openxmlformats.org/drawingml/2006/main" xmlns:r="http://schemas.openxmlformats.org/officeDocument/2006/relationships" xmlns:p="http://schemas.openxmlformats.org/presentationml/2006/main">
   <p:cSld>
     <p:spTree>
       <p:nvGrpSpPr>
@@ -1921,7 +1955,9 @@
       <p:sp>
         <p:nvSpPr>
           <p:cNvPr id="79" name="Shape 79"/>
-          <p:cNvSpPr/>
+          <p:cNvSpPr>
+            <a:spLocks noGrp="1"/>
+          </p:cNvSpPr>
           <p:nvPr>
             <p:ph type="title"/>
           </p:nvPr>
@@ -1939,7 +1975,6 @@
             </a:lvl1pPr>
           </a:lstStyle>
           <a:p>
-            <a:pPr/>
             <a:r>
               <a:t>Organizing Files on Disk: File Allocation Table</a:t>
             </a:r>
@@ -1949,7 +1984,9 @@
       <p:sp>
         <p:nvSpPr>
           <p:cNvPr id="80" name="Shape 80"/>
-          <p:cNvSpPr/>
+          <p:cNvSpPr>
+            <a:spLocks noGrp="1"/>
+          </p:cNvSpPr>
           <p:nvPr>
             <p:ph type="body" idx="1"/>
           </p:nvPr>
@@ -1997,12 +2034,12 @@
   <p:clrMapOvr>
     <a:masterClrMapping/>
   </p:clrMapOvr>
-  <p:transition xmlns:p14="http://schemas.microsoft.com/office/powerpoint/2010/main" spd="med" advClick="1"/>
+  <p:transition spd="med"/>
 </p:sld>
 </file>
 
 <file path=ppt/slides/slide11.xml><?xml version="1.0" encoding="utf-8"?>
-<p:sld xmlns:a="http://schemas.openxmlformats.org/drawingml/2006/main" xmlns:r="http://schemas.openxmlformats.org/officeDocument/2006/relationships" xmlns:p="http://schemas.openxmlformats.org/presentationml/2006/main" showMasterSp="1" showMasterPhAnim="1">
+<p:sld xmlns:a="http://schemas.openxmlformats.org/drawingml/2006/main" xmlns:r="http://schemas.openxmlformats.org/officeDocument/2006/relationships" xmlns:p="http://schemas.openxmlformats.org/presentationml/2006/main">
   <p:cSld>
     <p:spTree>
       <p:nvGrpSpPr>
@@ -2021,7 +2058,9 @@
       <p:sp>
         <p:nvSpPr>
           <p:cNvPr id="82" name="Shape 82"/>
-          <p:cNvSpPr/>
+          <p:cNvSpPr>
+            <a:spLocks noGrp="1"/>
+          </p:cNvSpPr>
           <p:nvPr>
             <p:ph type="title"/>
           </p:nvPr>
@@ -2035,7 +2074,6 @@
           <a:bodyPr/>
           <a:lstStyle/>
           <a:p>
-            <a:pPr/>
             <a:r>
               <a:t>i-nodes (index nodes)</a:t>
             </a:r>
@@ -2045,7 +2083,9 @@
       <p:sp>
         <p:nvSpPr>
           <p:cNvPr id="83" name="Shape 83"/>
-          <p:cNvSpPr/>
+          <p:cNvSpPr>
+            <a:spLocks noGrp="1"/>
+          </p:cNvSpPr>
           <p:nvPr>
             <p:ph type="body" idx="1"/>
           </p:nvPr>
@@ -2109,6 +2149,7 @@
               </a:lnSpc>
               <a:defRPr sz="2500"/>
             </a:pPr>
+            <a:endParaRPr/>
           </a:p>
           <a:p>
             <a:pPr marL="320842" indent="-320842">
@@ -2128,6 +2169,7 @@
               </a:lnSpc>
               <a:defRPr sz="2500"/>
             </a:pPr>
+            <a:endParaRPr/>
           </a:p>
           <a:p>
             <a:pPr lvl="1">
@@ -2180,12 +2222,12 @@
   <p:clrMapOvr>
     <a:masterClrMapping/>
   </p:clrMapOvr>
-  <p:transition xmlns:p14="http://schemas.microsoft.com/office/powerpoint/2010/main" spd="med" advClick="1"/>
+  <p:transition spd="med"/>
 </p:sld>
 </file>
 
 <file path=ppt/slides/slide12.xml><?xml version="1.0" encoding="utf-8"?>
-<p:sld xmlns:a="http://schemas.openxmlformats.org/drawingml/2006/main" xmlns:r="http://schemas.openxmlformats.org/officeDocument/2006/relationships" xmlns:p="http://schemas.openxmlformats.org/presentationml/2006/main" showMasterSp="1" showMasterPhAnim="1">
+<p:sld xmlns:a="http://schemas.openxmlformats.org/drawingml/2006/main" xmlns:r="http://schemas.openxmlformats.org/officeDocument/2006/relationships" xmlns:p="http://schemas.openxmlformats.org/presentationml/2006/main">
   <p:cSld>
     <p:spTree>
       <p:nvGrpSpPr>
@@ -2234,7 +2276,9 @@
       <p:sp>
         <p:nvSpPr>
           <p:cNvPr id="86" name="Shape 86"/>
-          <p:cNvSpPr/>
+          <p:cNvSpPr>
+            <a:spLocks noGrp="1"/>
+          </p:cNvSpPr>
           <p:nvPr>
             <p:ph type="title"/>
           </p:nvPr>
@@ -2248,7 +2292,6 @@
           <a:bodyPr/>
           <a:lstStyle/>
           <a:p>
-            <a:pPr/>
             <a:r>
               <a:t>Unix i-node (index node)</a:t>
             </a:r>
@@ -2258,7 +2301,9 @@
       <p:sp>
         <p:nvSpPr>
           <p:cNvPr id="87" name="Shape 87"/>
-          <p:cNvSpPr/>
+          <p:cNvSpPr>
+            <a:spLocks noGrp="1"/>
+          </p:cNvSpPr>
           <p:nvPr>
             <p:ph type="body" sz="half" idx="1"/>
           </p:nvPr>
@@ -2293,6 +2338,7 @@
               </a:lnSpc>
               <a:defRPr sz="2100"/>
             </a:pPr>
+            <a:endParaRPr/>
           </a:p>
           <a:p>
             <a:pPr marL="320842" indent="-320842">
@@ -2356,6 +2402,7 @@
               </a:lnSpc>
               <a:defRPr sz="2100"/>
             </a:pPr>
+            <a:endParaRPr/>
           </a:p>
           <a:p>
             <a:pPr lvl="1">
@@ -2364,6 +2411,7 @@
               </a:lnSpc>
               <a:defRPr sz="2100"/>
             </a:pPr>
+            <a:endParaRPr/>
           </a:p>
           <a:p>
             <a:pPr marL="320842" indent="-320842">
@@ -2383,12 +2431,12 @@
   <p:clrMapOvr>
     <a:masterClrMapping/>
   </p:clrMapOvr>
-  <p:transition xmlns:p14="http://schemas.microsoft.com/office/powerpoint/2010/main" spd="med" advClick="1"/>
+  <p:transition spd="med"/>
 </p:sld>
 </file>
 
 <file path=ppt/slides/slide13.xml><?xml version="1.0" encoding="utf-8"?>
-<p:sld xmlns:a="http://schemas.openxmlformats.org/drawingml/2006/main" xmlns:r="http://schemas.openxmlformats.org/officeDocument/2006/relationships" xmlns:p="http://schemas.openxmlformats.org/presentationml/2006/main" showMasterSp="1" showMasterPhAnim="1">
+<p:sld xmlns:a="http://schemas.openxmlformats.org/drawingml/2006/main" xmlns:r="http://schemas.openxmlformats.org/officeDocument/2006/relationships" xmlns:p="http://schemas.openxmlformats.org/presentationml/2006/main">
   <p:cSld>
     <p:spTree>
       <p:nvGrpSpPr>
@@ -2436,7 +2484,9 @@
       <p:sp>
         <p:nvSpPr>
           <p:cNvPr id="90" name="Shape 90"/>
-          <p:cNvSpPr/>
+          <p:cNvSpPr>
+            <a:spLocks noGrp="1"/>
+          </p:cNvSpPr>
           <p:nvPr>
             <p:ph type="title"/>
           </p:nvPr>
@@ -2448,11 +2498,10 @@
         </p:spPr>
         <p:txBody>
           <a:bodyPr>
-            <a:normAutofit fontScale="100000" lnSpcReduction="0"/>
+            <a:normAutofit fontScale="90000"/>
           </a:bodyPr>
           <a:lstStyle/>
           <a:p>
-            <a:pPr/>
             <a:r>
               <a:t>Another view of a UNIX i-node</a:t>
             </a:r>
@@ -2534,12 +2583,12 @@
   <p:clrMapOvr>
     <a:masterClrMapping/>
   </p:clrMapOvr>
-  <p:transition xmlns:p14="http://schemas.microsoft.com/office/powerpoint/2010/main" spd="med" advClick="1"/>
+  <p:transition spd="med"/>
 </p:sld>
 </file>
 
 <file path=ppt/slides/slide14.xml><?xml version="1.0" encoding="utf-8"?>
-<p:sld xmlns:a="http://schemas.openxmlformats.org/drawingml/2006/main" xmlns:r="http://schemas.openxmlformats.org/officeDocument/2006/relationships" xmlns:p="http://schemas.openxmlformats.org/presentationml/2006/main" showMasterSp="1" showMasterPhAnim="1">
+<p:sld xmlns:a="http://schemas.openxmlformats.org/drawingml/2006/main" xmlns:r="http://schemas.openxmlformats.org/officeDocument/2006/relationships" xmlns:p="http://schemas.openxmlformats.org/presentationml/2006/main">
   <p:cSld>
     <p:spTree>
       <p:nvGrpSpPr>
@@ -2558,7 +2607,9 @@
       <p:sp>
         <p:nvSpPr>
           <p:cNvPr id="93" name="Shape 93"/>
-          <p:cNvSpPr/>
+          <p:cNvSpPr>
+            <a:spLocks noGrp="1"/>
+          </p:cNvSpPr>
           <p:nvPr>
             <p:ph type="title"/>
           </p:nvPr>
@@ -2576,7 +2627,6 @@
             </a:lvl1pPr>
           </a:lstStyle>
           <a:p>
-            <a:pPr/>
             <a:r>
               <a:t>Performance impact of i-node placement</a:t>
             </a:r>
@@ -2615,7 +2665,9 @@
       <p:sp>
         <p:nvSpPr>
           <p:cNvPr id="95" name="Shape 95"/>
-          <p:cNvSpPr/>
+          <p:cNvSpPr>
+            <a:spLocks noGrp="1"/>
+          </p:cNvSpPr>
           <p:nvPr>
             <p:ph type="body" sz="quarter" idx="1"/>
           </p:nvPr>
@@ -2709,12 +2761,12 @@
   <p:clrMapOvr>
     <a:masterClrMapping/>
   </p:clrMapOvr>
-  <p:transition xmlns:p14="http://schemas.microsoft.com/office/powerpoint/2010/main" spd="med" advClick="1"/>
+  <p:transition spd="med"/>
 </p:sld>
 </file>
 
 <file path=ppt/slides/slide15.xml><?xml version="1.0" encoding="utf-8"?>
-<p:sld xmlns:a="http://schemas.openxmlformats.org/drawingml/2006/main" xmlns:r="http://schemas.openxmlformats.org/officeDocument/2006/relationships" xmlns:p="http://schemas.openxmlformats.org/presentationml/2006/main" showMasterSp="1" showMasterPhAnim="1">
+<p:sld xmlns:a="http://schemas.openxmlformats.org/drawingml/2006/main" xmlns:r="http://schemas.openxmlformats.org/officeDocument/2006/relationships" xmlns:p="http://schemas.openxmlformats.org/presentationml/2006/main">
   <p:cSld>
     <p:spTree>
       <p:nvGrpSpPr>
@@ -2733,7 +2785,9 @@
       <p:sp>
         <p:nvSpPr>
           <p:cNvPr id="98" name="Shape 98"/>
-          <p:cNvSpPr/>
+          <p:cNvSpPr>
+            <a:spLocks noGrp="1"/>
+          </p:cNvSpPr>
           <p:nvPr>
             <p:ph type="title"/>
           </p:nvPr>
@@ -2745,11 +2799,10 @@
         </p:spPr>
         <p:txBody>
           <a:bodyPr>
-            <a:normAutofit fontScale="100000" lnSpcReduction="0"/>
+            <a:normAutofit fontScale="90000"/>
           </a:bodyPr>
           <a:lstStyle/>
           <a:p>
-            <a:pPr/>
             <a:r>
               <a:t>Managing Free Space on Disk</a:t>
             </a:r>
@@ -2788,7 +2841,9 @@
       <p:sp>
         <p:nvSpPr>
           <p:cNvPr id="100" name="Shape 100"/>
-          <p:cNvSpPr/>
+          <p:cNvSpPr>
+            <a:spLocks noGrp="1"/>
+          </p:cNvSpPr>
           <p:nvPr>
             <p:ph type="body" sz="quarter" idx="1"/>
           </p:nvPr>
@@ -2804,7 +2859,7 @@
         </p:spPr>
         <p:txBody>
           <a:bodyPr>
-            <a:normAutofit fontScale="100000" lnSpcReduction="0"/>
+            <a:normAutofit/>
           </a:bodyPr>
           <a:lstStyle>
             <a:lvl1pPr marL="342900" indent="-342900">
@@ -2820,7 +2875,6 @@
             </a:lvl1pPr>
           </a:lstStyle>
           <a:p>
-            <a:pPr/>
             <a:r>
               <a:t>Linked list</a:t>
             </a:r>
@@ -2832,12 +2886,12 @@
   <p:clrMapOvr>
     <a:masterClrMapping/>
   </p:clrMapOvr>
-  <p:transition xmlns:p14="http://schemas.microsoft.com/office/powerpoint/2010/main" spd="med" advClick="1"/>
+  <p:transition spd="med"/>
 </p:sld>
 </file>
 
 <file path=ppt/slides/slide16.xml><?xml version="1.0" encoding="utf-8"?>
-<p:sld xmlns:a="http://schemas.openxmlformats.org/drawingml/2006/main" xmlns:r="http://schemas.openxmlformats.org/officeDocument/2006/relationships" xmlns:p="http://schemas.openxmlformats.org/presentationml/2006/main" showMasterSp="1" showMasterPhAnim="1">
+<p:sld xmlns:a="http://schemas.openxmlformats.org/drawingml/2006/main" xmlns:r="http://schemas.openxmlformats.org/officeDocument/2006/relationships" xmlns:p="http://schemas.openxmlformats.org/presentationml/2006/main">
   <p:cSld>
     <p:spTree>
       <p:nvGrpSpPr>
@@ -2856,7 +2910,9 @@
       <p:sp>
         <p:nvSpPr>
           <p:cNvPr id="102" name="Shape 102"/>
-          <p:cNvSpPr/>
+          <p:cNvSpPr>
+            <a:spLocks noGrp="1"/>
+          </p:cNvSpPr>
           <p:nvPr>
             <p:ph type="title"/>
           </p:nvPr>
@@ -2870,7 +2926,6 @@
           <a:bodyPr/>
           <a:lstStyle/>
           <a:p>
-            <a:pPr/>
             <a:r>
               <a:t>File System Cache</a:t>
             </a:r>
@@ -2880,7 +2935,9 @@
       <p:sp>
         <p:nvSpPr>
           <p:cNvPr id="103" name="Shape 103"/>
-          <p:cNvSpPr/>
+          <p:cNvSpPr>
+            <a:spLocks noGrp="1"/>
+          </p:cNvSpPr>
           <p:nvPr>
             <p:ph type="body" idx="1"/>
           </p:nvPr>
@@ -2905,6 +2962,7 @@
             <a:pPr marL="320842" indent="-320842">
               <a:defRPr sz="2600"/>
             </a:pPr>
+            <a:endParaRPr/>
           </a:p>
           <a:p>
             <a:pPr marL="320842" indent="-320842">
@@ -2918,6 +2976,7 @@
             <a:pPr marL="320842" indent="-320842">
               <a:defRPr sz="2600"/>
             </a:pPr>
+            <a:endParaRPr/>
           </a:p>
           <a:p>
             <a:pPr marL="320842" indent="-320842">
@@ -2931,6 +2990,7 @@
             <a:pPr marL="320842" indent="-320842">
               <a:defRPr sz="2600"/>
             </a:pPr>
+            <a:endParaRPr/>
           </a:p>
           <a:p>
             <a:pPr marL="320842" indent="-320842">
@@ -2944,6 +3004,7 @@
             <a:pPr marL="320842" indent="-320842">
               <a:defRPr sz="2600"/>
             </a:pPr>
+            <a:endParaRPr/>
           </a:p>
           <a:p>
             <a:pPr marL="320842" indent="-320842">
@@ -2960,12 +3021,12 @@
   <p:clrMapOvr>
     <a:masterClrMapping/>
   </p:clrMapOvr>
-  <p:transition xmlns:p14="http://schemas.microsoft.com/office/powerpoint/2010/main" spd="med" advClick="1"/>
+  <p:transition spd="med"/>
 </p:sld>
 </file>
 
 <file path=ppt/slides/slide17.xml><?xml version="1.0" encoding="utf-8"?>
-<p:sld xmlns:a="http://schemas.openxmlformats.org/drawingml/2006/main" xmlns:r="http://schemas.openxmlformats.org/officeDocument/2006/relationships" xmlns:p="http://schemas.openxmlformats.org/presentationml/2006/main" showMasterSp="1" showMasterPhAnim="1">
+<p:sld xmlns:a="http://schemas.openxmlformats.org/drawingml/2006/main" xmlns:r="http://schemas.openxmlformats.org/officeDocument/2006/relationships" xmlns:p="http://schemas.openxmlformats.org/presentationml/2006/main">
   <p:cSld>
     <p:spTree>
       <p:nvGrpSpPr>
@@ -2984,7 +3045,9 @@
       <p:sp>
         <p:nvSpPr>
           <p:cNvPr id="105" name="Shape 105"/>
-          <p:cNvSpPr/>
+          <p:cNvSpPr>
+            <a:spLocks noGrp="1"/>
+          </p:cNvSpPr>
           <p:nvPr>
             <p:ph type="title"/>
           </p:nvPr>
@@ -2998,7 +3061,6 @@
           <a:bodyPr/>
           <a:lstStyle/>
           <a:p>
-            <a:pPr/>
             <a:r>
               <a:t>Data Structure for File-System Cache</a:t>
             </a:r>
@@ -3037,7 +3099,9 @@
       <p:sp>
         <p:nvSpPr>
           <p:cNvPr id="107" name="Shape 107"/>
-          <p:cNvSpPr/>
+          <p:cNvSpPr>
+            <a:spLocks noGrp="1"/>
+          </p:cNvSpPr>
           <p:nvPr>
             <p:ph type="body" sz="half" idx="1"/>
           </p:nvPr>
@@ -3101,12 +3165,12 @@
   <p:clrMapOvr>
     <a:masterClrMapping/>
   </p:clrMapOvr>
-  <p:transition xmlns:p14="http://schemas.microsoft.com/office/powerpoint/2010/main" spd="med" advClick="1"/>
+  <p:transition spd="med"/>
 </p:sld>
 </file>
 
 <file path=ppt/slides/slide18.xml><?xml version="1.0" encoding="utf-8"?>
-<p:sld xmlns:a="http://schemas.openxmlformats.org/drawingml/2006/main" xmlns:r="http://schemas.openxmlformats.org/officeDocument/2006/relationships" xmlns:p="http://schemas.openxmlformats.org/presentationml/2006/main" showMasterSp="1" showMasterPhAnim="1">
+<p:sld xmlns:a="http://schemas.openxmlformats.org/drawingml/2006/main" xmlns:r="http://schemas.openxmlformats.org/officeDocument/2006/relationships" xmlns:p="http://schemas.openxmlformats.org/presentationml/2006/main">
   <p:cSld>
     <p:spTree>
       <p:nvGrpSpPr>
@@ -3125,7 +3189,9 @@
       <p:sp>
         <p:nvSpPr>
           <p:cNvPr id="109" name="Shape 109"/>
-          <p:cNvSpPr/>
+          <p:cNvSpPr>
+            <a:spLocks noGrp="1"/>
+          </p:cNvSpPr>
           <p:nvPr>
             <p:ph type="title"/>
           </p:nvPr>
@@ -3147,7 +3213,6 @@
             </a:lvl1pPr>
           </a:lstStyle>
           <a:p>
-            <a:pPr/>
             <a:r>
               <a:t>Virtual memory page cache and FS cache</a:t>
             </a:r>
@@ -3157,7 +3222,9 @@
       <p:sp>
         <p:nvSpPr>
           <p:cNvPr id="110" name="Shape 110"/>
-          <p:cNvSpPr/>
+          <p:cNvSpPr>
+            <a:spLocks noGrp="1"/>
+          </p:cNvSpPr>
           <p:nvPr>
             <p:ph type="body" idx="1"/>
           </p:nvPr>
@@ -3171,25 +3238,22 @@
           <a:bodyPr/>
           <a:lstStyle/>
           <a:p>
-            <a:pPr/>
             <a:r>
               <a:t>Often they are managed in a unified manner</a:t>
             </a:r>
           </a:p>
           <a:p>
-            <a:pPr/>
-          </a:p>
-          <a:p>
-            <a:pPr/>
+            <a:endParaRPr/>
+          </a:p>
+          <a:p>
             <a:r>
               <a:t>Meaning: one common page-cache is used for managing pages for both virtual memory and file system.</a:t>
             </a:r>
           </a:p>
           <a:p>
-            <a:pPr/>
-          </a:p>
-          <a:p>
-            <a:pPr/>
+            <a:endParaRPr/>
+          </a:p>
+          <a:p>
             <a:r>
               <a:t>For example, Linux maintains one common set of data structures to keep track of active and inactive (LRU) pages.</a:t>
             </a:r>
@@ -3201,12 +3265,12 @@
   <p:clrMapOvr>
     <a:masterClrMapping/>
   </p:clrMapOvr>
-  <p:transition xmlns:p14="http://schemas.microsoft.com/office/powerpoint/2010/main" spd="med" advClick="1"/>
+  <p:transition spd="med"/>
 </p:sld>
 </file>
 
 <file path=ppt/slides/slide19.xml><?xml version="1.0" encoding="utf-8"?>
-<p:sld xmlns:a="http://schemas.openxmlformats.org/drawingml/2006/main" xmlns:r="http://schemas.openxmlformats.org/officeDocument/2006/relationships" xmlns:p="http://schemas.openxmlformats.org/presentationml/2006/main" showMasterSp="1" showMasterPhAnim="1">
+<p:sld xmlns:a="http://schemas.openxmlformats.org/drawingml/2006/main" xmlns:r="http://schemas.openxmlformats.org/officeDocument/2006/relationships" xmlns:p="http://schemas.openxmlformats.org/presentationml/2006/main">
   <p:cSld>
     <p:spTree>
       <p:nvGrpSpPr>
@@ -3225,7 +3289,9 @@
       <p:sp>
         <p:nvSpPr>
           <p:cNvPr id="112" name="Shape 112"/>
-          <p:cNvSpPr/>
+          <p:cNvSpPr>
+            <a:spLocks noGrp="1"/>
+          </p:cNvSpPr>
           <p:nvPr>
             <p:ph type="title"/>
           </p:nvPr>
@@ -3239,7 +3305,6 @@
           <a:bodyPr/>
           <a:lstStyle/>
           <a:p>
-            <a:pPr/>
             <a:r>
               <a:t>Log-Structured File Systems</a:t>
             </a:r>
@@ -3249,7 +3314,9 @@
       <p:sp>
         <p:nvSpPr>
           <p:cNvPr id="113" name="Shape 113"/>
-          <p:cNvSpPr/>
+          <p:cNvSpPr>
+            <a:spLocks noGrp="1"/>
+          </p:cNvSpPr>
           <p:nvPr>
             <p:ph type="body" idx="1"/>
           </p:nvPr>
@@ -3302,6 +3369,7 @@
             <a:pPr lvl="1">
               <a:defRPr sz="2800"/>
             </a:pPr>
+            <a:endParaRPr/>
           </a:p>
           <a:p>
             <a:pPr marL="320842" indent="-320842">
@@ -3342,12 +3410,12 @@
   <p:clrMapOvr>
     <a:masterClrMapping/>
   </p:clrMapOvr>
-  <p:transition xmlns:p14="http://schemas.microsoft.com/office/powerpoint/2010/main" spd="med" advClick="1"/>
+  <p:transition spd="med"/>
 </p:sld>
 </file>
 
 <file path=ppt/slides/slide2.xml><?xml version="1.0" encoding="utf-8"?>
-<p:sld xmlns:a="http://schemas.openxmlformats.org/drawingml/2006/main" xmlns:r="http://schemas.openxmlformats.org/officeDocument/2006/relationships" xmlns:p="http://schemas.openxmlformats.org/presentationml/2006/main" showMasterSp="1" showMasterPhAnim="1">
+<p:sld xmlns:a="http://schemas.openxmlformats.org/drawingml/2006/main" xmlns:r="http://schemas.openxmlformats.org/officeDocument/2006/relationships" xmlns:p="http://schemas.openxmlformats.org/presentationml/2006/main">
   <p:cSld>
     <p:spTree>
       <p:nvGrpSpPr>
@@ -3366,7 +3434,9 @@
       <p:sp>
         <p:nvSpPr>
           <p:cNvPr id="35" name="Shape 35"/>
-          <p:cNvSpPr/>
+          <p:cNvSpPr>
+            <a:spLocks noGrp="1"/>
+          </p:cNvSpPr>
           <p:nvPr>
             <p:ph type="title"/>
           </p:nvPr>
@@ -3382,11 +3452,10 @@
         </p:spPr>
         <p:txBody>
           <a:bodyPr>
-            <a:normAutofit fontScale="100000" lnSpcReduction="0"/>
+            <a:normAutofit/>
           </a:bodyPr>
           <a:lstStyle/>
           <a:p>
-            <a:pPr/>
             <a:r>
               <a:t>What is a File System?</a:t>
             </a:r>
@@ -3396,7 +3465,9 @@
       <p:sp>
         <p:nvSpPr>
           <p:cNvPr id="36" name="Shape 36"/>
-          <p:cNvSpPr/>
+          <p:cNvSpPr>
+            <a:spLocks noGrp="1"/>
+          </p:cNvSpPr>
           <p:nvPr>
             <p:ph type="body" idx="1"/>
           </p:nvPr>
@@ -3425,6 +3496,7 @@
             <a:pPr marL="320842" indent="-320842">
               <a:defRPr sz="1400"/>
             </a:pPr>
+            <a:endParaRPr/>
           </a:p>
           <a:p>
             <a:pPr marL="320842" indent="-320842">
@@ -3438,6 +3510,7 @@
             <a:pPr marL="320842" indent="-320842">
               <a:defRPr sz="1600"/>
             </a:pPr>
+            <a:endParaRPr/>
           </a:p>
           <a:p>
             <a:pPr marL="320842" indent="-320842">
@@ -3467,6 +3540,7 @@
             <a:pPr marL="320842" indent="-320842">
               <a:defRPr sz="2100"/>
             </a:pPr>
+            <a:endParaRPr/>
           </a:p>
           <a:p>
             <a:pPr marL="320842" indent="-320842">
@@ -3515,12 +3589,12 @@
   <p:clrMapOvr>
     <a:masterClrMapping/>
   </p:clrMapOvr>
-  <p:transition xmlns:p14="http://schemas.microsoft.com/office/powerpoint/2010/main" spd="med" advClick="1"/>
+  <p:transition spd="med"/>
 </p:sld>
 </file>
 
 <file path=ppt/slides/slide20.xml><?xml version="1.0" encoding="utf-8"?>
-<p:sld xmlns:a="http://schemas.openxmlformats.org/drawingml/2006/main" xmlns:r="http://schemas.openxmlformats.org/officeDocument/2006/relationships" xmlns:p="http://schemas.openxmlformats.org/presentationml/2006/main" showMasterSp="1" showMasterPhAnim="1">
+<p:sld xmlns:a="http://schemas.openxmlformats.org/drawingml/2006/main" xmlns:r="http://schemas.openxmlformats.org/officeDocument/2006/relationships" xmlns:p="http://schemas.openxmlformats.org/presentationml/2006/main">
   <p:cSld>
     <p:spTree>
       <p:nvGrpSpPr>
@@ -3539,7 +3613,9 @@
       <p:sp>
         <p:nvSpPr>
           <p:cNvPr id="115" name="Shape 115"/>
-          <p:cNvSpPr/>
+          <p:cNvSpPr>
+            <a:spLocks noGrp="1"/>
+          </p:cNvSpPr>
           <p:nvPr>
             <p:ph type="title"/>
           </p:nvPr>
@@ -3553,7 +3629,6 @@
           <a:bodyPr/>
           <a:lstStyle/>
           <a:p>
-            <a:pPr/>
             <a:r>
               <a:t>Hierarchical Directory Systems</a:t>
             </a:r>
@@ -3594,12 +3669,12 @@
   <p:clrMapOvr>
     <a:masterClrMapping/>
   </p:clrMapOvr>
-  <p:transition xmlns:p14="http://schemas.microsoft.com/office/powerpoint/2010/main" spd="med" advClick="1"/>
+  <p:transition spd="med"/>
 </p:sld>
 </file>
 
 <file path=ppt/slides/slide21.xml><?xml version="1.0" encoding="utf-8"?>
-<p:sld xmlns:a="http://schemas.openxmlformats.org/drawingml/2006/main" xmlns:r="http://schemas.openxmlformats.org/officeDocument/2006/relationships" xmlns:p="http://schemas.openxmlformats.org/presentationml/2006/main" showMasterSp="1" showMasterPhAnim="1">
+<p:sld xmlns:a="http://schemas.openxmlformats.org/drawingml/2006/main" xmlns:r="http://schemas.openxmlformats.org/officeDocument/2006/relationships" xmlns:p="http://schemas.openxmlformats.org/presentationml/2006/main">
   <p:cSld>
     <p:spTree>
       <p:nvGrpSpPr>
@@ -3618,7 +3693,9 @@
       <p:sp>
         <p:nvSpPr>
           <p:cNvPr id="118" name="Shape 118"/>
-          <p:cNvSpPr/>
+          <p:cNvSpPr>
+            <a:spLocks noGrp="1"/>
+          </p:cNvSpPr>
           <p:nvPr>
             <p:ph type="title"/>
           </p:nvPr>
@@ -3632,7 +3709,6 @@
           <a:bodyPr/>
           <a:lstStyle/>
           <a:p>
-            <a:pPr/>
             <a:r>
               <a:t>Path Names</a:t>
             </a:r>
@@ -3673,12 +3749,12 @@
   <p:clrMapOvr>
     <a:masterClrMapping/>
   </p:clrMapOvr>
-  <p:transition xmlns:p14="http://schemas.microsoft.com/office/powerpoint/2010/main" spd="med" advClick="1"/>
+  <p:transition spd="med"/>
 </p:sld>
 </file>
 
 <file path=ppt/slides/slide22.xml><?xml version="1.0" encoding="utf-8"?>
-<p:sld xmlns:a="http://schemas.openxmlformats.org/drawingml/2006/main" xmlns:r="http://schemas.openxmlformats.org/officeDocument/2006/relationships" xmlns:p="http://schemas.openxmlformats.org/presentationml/2006/main" showMasterSp="1" showMasterPhAnim="1">
+<p:sld xmlns:a="http://schemas.openxmlformats.org/drawingml/2006/main" xmlns:r="http://schemas.openxmlformats.org/officeDocument/2006/relationships" xmlns:p="http://schemas.openxmlformats.org/presentationml/2006/main">
   <p:cSld>
     <p:spTree>
       <p:nvGrpSpPr>
@@ -3697,7 +3773,9 @@
       <p:sp>
         <p:nvSpPr>
           <p:cNvPr id="121" name="Shape 121"/>
-          <p:cNvSpPr/>
+          <p:cNvSpPr>
+            <a:spLocks noGrp="1"/>
+          </p:cNvSpPr>
           <p:nvPr>
             <p:ph type="title"/>
           </p:nvPr>
@@ -3711,7 +3789,6 @@
           <a:bodyPr/>
           <a:lstStyle/>
           <a:p>
-            <a:pPr/>
             <a:r>
               <a:t>Implementing Directories</a:t>
             </a:r>
@@ -3721,7 +3798,9 @@
       <p:sp>
         <p:nvSpPr>
           <p:cNvPr id="122" name="Shape 122"/>
-          <p:cNvSpPr/>
+          <p:cNvSpPr>
+            <a:spLocks noGrp="1"/>
+          </p:cNvSpPr>
           <p:nvPr>
             <p:ph type="body" sz="half" idx="1"/>
           </p:nvPr>
@@ -3822,6 +3901,7 @@
                 <a:sym typeface="Helvetica"/>
               </a:defRPr>
             </a:pPr>
+            <a:endParaRPr/>
           </a:p>
         </p:txBody>
       </p:sp>
@@ -3858,6 +3938,7 @@
                 <a:sym typeface="Helvetica"/>
               </a:defRPr>
             </a:pPr>
+            <a:endParaRPr/>
           </a:p>
         </p:txBody>
       </p:sp>
@@ -3890,7 +3971,6 @@
           </a:bodyPr>
           <a:lstStyle/>
           <a:p>
-            <a:pPr/>
             <a:r>
               <a:t>I-nodes</a:t>
             </a:r>
@@ -3902,12 +3982,12 @@
   <p:clrMapOvr>
     <a:masterClrMapping/>
   </p:clrMapOvr>
-  <p:transition xmlns:p14="http://schemas.microsoft.com/office/powerpoint/2010/main" spd="med" advClick="1"/>
+  <p:transition spd="med"/>
 </p:sld>
 </file>
 
 <file path=ppt/slides/slide23.xml><?xml version="1.0" encoding="utf-8"?>
-<p:sld xmlns:a="http://schemas.openxmlformats.org/drawingml/2006/main" xmlns:r="http://schemas.openxmlformats.org/officeDocument/2006/relationships" xmlns:p="http://schemas.openxmlformats.org/presentationml/2006/main" showMasterSp="1" showMasterPhAnim="1">
+<p:sld xmlns:a="http://schemas.openxmlformats.org/drawingml/2006/main" xmlns:r="http://schemas.openxmlformats.org/officeDocument/2006/relationships" xmlns:p="http://schemas.openxmlformats.org/presentationml/2006/main">
   <p:cSld>
     <p:spTree>
       <p:nvGrpSpPr>
@@ -3926,7 +4006,9 @@
       <p:sp>
         <p:nvSpPr>
           <p:cNvPr id="128" name="Shape 128"/>
-          <p:cNvSpPr/>
+          <p:cNvSpPr>
+            <a:spLocks noGrp="1"/>
+          </p:cNvSpPr>
           <p:nvPr>
             <p:ph type="title"/>
           </p:nvPr>
@@ -3944,7 +4026,6 @@
             </a:lvl1pPr>
           </a:lstStyle>
           <a:p>
-            <a:pPr/>
             <a:r>
               <a:t>Path lookup in a typical Unix File System</a:t>
             </a:r>
@@ -3954,7 +4035,9 @@
       <p:sp>
         <p:nvSpPr>
           <p:cNvPr id="129" name="Shape 129"/>
-          <p:cNvSpPr/>
+          <p:cNvSpPr>
+            <a:spLocks noGrp="1"/>
+          </p:cNvSpPr>
           <p:nvPr>
             <p:ph type="body" sz="quarter" idx="1"/>
           </p:nvPr>
@@ -3970,7 +4053,7 @@
         </p:spPr>
         <p:txBody>
           <a:bodyPr>
-            <a:normAutofit fontScale="100000" lnSpcReduction="0"/>
+            <a:normAutofit/>
           </a:bodyPr>
           <a:lstStyle/>
           <a:p>
@@ -4087,12 +4170,12 @@
   <p:clrMapOvr>
     <a:masterClrMapping/>
   </p:clrMapOvr>
-  <p:transition xmlns:p14="http://schemas.microsoft.com/office/powerpoint/2010/main" spd="med" advClick="1"/>
+  <p:transition spd="med"/>
 </p:sld>
 </file>
 
 <file path=ppt/slides/slide24.xml><?xml version="1.0" encoding="utf-8"?>
-<p:sld xmlns:a="http://schemas.openxmlformats.org/drawingml/2006/main" xmlns:r="http://schemas.openxmlformats.org/officeDocument/2006/relationships" xmlns:p="http://schemas.openxmlformats.org/presentationml/2006/main" showMasterSp="1" showMasterPhAnim="1">
+<p:sld xmlns:a="http://schemas.openxmlformats.org/drawingml/2006/main" xmlns:r="http://schemas.openxmlformats.org/officeDocument/2006/relationships" xmlns:p="http://schemas.openxmlformats.org/presentationml/2006/main">
   <p:cSld>
     <p:spTree>
       <p:nvGrpSpPr>
@@ -4111,7 +4194,9 @@
       <p:sp>
         <p:nvSpPr>
           <p:cNvPr id="133" name="Shape 133"/>
-          <p:cNvSpPr/>
+          <p:cNvSpPr>
+            <a:spLocks noGrp="1"/>
+          </p:cNvSpPr>
           <p:nvPr>
             <p:ph type="title"/>
           </p:nvPr>
@@ -4123,11 +4208,10 @@
         </p:spPr>
         <p:txBody>
           <a:bodyPr>
-            <a:normAutofit fontScale="100000" lnSpcReduction="0"/>
+            <a:normAutofit fontScale="90000"/>
           </a:bodyPr>
           <a:lstStyle/>
           <a:p>
-            <a:pPr/>
             <a:r>
               <a:t>Shared Files — Hard Links</a:t>
             </a:r>
@@ -4166,7 +4250,9 @@
       <p:sp>
         <p:nvSpPr>
           <p:cNvPr id="135" name="Shape 135"/>
-          <p:cNvSpPr/>
+          <p:cNvSpPr>
+            <a:spLocks noGrp="1"/>
+          </p:cNvSpPr>
           <p:nvPr>
             <p:ph type="body" sz="quarter" idx="1"/>
           </p:nvPr>
@@ -4182,7 +4268,7 @@
         </p:spPr>
         <p:txBody>
           <a:bodyPr>
-            <a:normAutofit fontScale="100000" lnSpcReduction="0"/>
+            <a:normAutofit/>
           </a:bodyPr>
           <a:lstStyle>
             <a:lvl1pPr marL="342900" indent="-342900" algn="ctr">
@@ -4191,7 +4277,6 @@
             </a:lvl1pPr>
           </a:lstStyle>
           <a:p>
-            <a:pPr/>
             <a:r>
               <a:t>A file shared between two directories </a:t>
             </a:r>
@@ -4203,12 +4288,12 @@
   <p:clrMapOvr>
     <a:masterClrMapping/>
   </p:clrMapOvr>
-  <p:transition xmlns:p14="http://schemas.microsoft.com/office/powerpoint/2010/main" spd="med" advClick="1"/>
+  <p:transition spd="med"/>
 </p:sld>
 </file>
 
 <file path=ppt/slides/slide25.xml><?xml version="1.0" encoding="utf-8"?>
-<p:sld xmlns:a="http://schemas.openxmlformats.org/drawingml/2006/main" xmlns:r="http://schemas.openxmlformats.org/officeDocument/2006/relationships" xmlns:p="http://schemas.openxmlformats.org/presentationml/2006/main" showMasterSp="1" showMasterPhAnim="1">
+<p:sld xmlns:a="http://schemas.openxmlformats.org/drawingml/2006/main" xmlns:r="http://schemas.openxmlformats.org/officeDocument/2006/relationships" xmlns:p="http://schemas.openxmlformats.org/presentationml/2006/main">
   <p:cSld>
     <p:spTree>
       <p:nvGrpSpPr>
@@ -4227,7 +4312,9 @@
       <p:sp>
         <p:nvSpPr>
           <p:cNvPr id="137" name="Shape 137"/>
-          <p:cNvSpPr/>
+          <p:cNvSpPr>
+            <a:spLocks noGrp="1"/>
+          </p:cNvSpPr>
           <p:nvPr>
             <p:ph type="title"/>
           </p:nvPr>
@@ -4239,11 +4326,10 @@
         </p:spPr>
         <p:txBody>
           <a:bodyPr>
-            <a:normAutofit fontScale="100000" lnSpcReduction="0"/>
+            <a:normAutofit fontScale="90000"/>
           </a:bodyPr>
           <a:lstStyle/>
           <a:p>
-            <a:pPr/>
             <a:r>
               <a:t>Shared Files – Hard Links</a:t>
             </a:r>
@@ -4282,7 +4368,9 @@
       <p:sp>
         <p:nvSpPr>
           <p:cNvPr id="139" name="Shape 139"/>
-          <p:cNvSpPr/>
+          <p:cNvSpPr>
+            <a:spLocks noGrp="1"/>
+          </p:cNvSpPr>
           <p:nvPr>
             <p:ph type="body" sz="quarter" idx="1"/>
           </p:nvPr>
@@ -4298,7 +4386,7 @@
         </p:spPr>
         <p:txBody>
           <a:bodyPr>
-            <a:normAutofit fontScale="100000" lnSpcReduction="0"/>
+            <a:normAutofit/>
           </a:bodyPr>
           <a:lstStyle>
             <a:lvl1pPr marL="342900" indent="-342900">
@@ -4311,7 +4399,6 @@
             </a:lvl1pPr>
           </a:lstStyle>
           <a:p>
-            <a:pPr/>
             <a:r>
               <a:t>Situation prior to linking</a:t>
             </a:r>
@@ -4343,7 +4430,7 @@
         </p:spPr>
         <p:txBody>
           <a:bodyPr lIns="45719" rIns="45719">
-            <a:normAutofit fontScale="100000" lnSpcReduction="0"/>
+            <a:normAutofit/>
           </a:bodyPr>
           <a:lstStyle/>
           <a:p>
@@ -4395,7 +4482,7 @@
         </p:spPr>
         <p:txBody>
           <a:bodyPr lIns="45719" rIns="45719">
-            <a:normAutofit fontScale="100000" lnSpcReduction="0"/>
+            <a:normAutofit/>
           </a:bodyPr>
           <a:lstStyle>
             <a:lvl1pPr marL="342900" indent="-342900">
@@ -4406,7 +4493,6 @@
             </a:lvl1pPr>
           </a:lstStyle>
           <a:p>
-            <a:pPr/>
             <a:r>
               <a:t>After the hard link is created</a:t>
             </a:r>
@@ -4418,12 +4504,566 @@
   <p:clrMapOvr>
     <a:masterClrMapping/>
   </p:clrMapOvr>
-  <p:transition xmlns:p14="http://schemas.microsoft.com/office/powerpoint/2010/main" spd="med" advClick="1"/>
+  <p:transition spd="med"/>
+</p:sld>
+</file>
+
+<file path=ppt/slides/slide26.xml><?xml version="1.0" encoding="utf-8"?>
+<p:sld xmlns:a="http://schemas.openxmlformats.org/drawingml/2006/main" xmlns:r="http://schemas.openxmlformats.org/officeDocument/2006/relationships" xmlns:p="http://schemas.openxmlformats.org/presentationml/2006/main">
+  <p:cSld>
+    <p:spTree>
+      <p:nvGrpSpPr>
+        <p:cNvPr id="1" name=""/>
+        <p:cNvGrpSpPr/>
+        <p:nvPr/>
+      </p:nvGrpSpPr>
+      <p:grpSpPr>
+        <a:xfrm>
+          <a:off x="0" y="0"/>
+          <a:ext cx="0" cy="0"/>
+          <a:chOff x="0" y="0"/>
+          <a:chExt cx="0" cy="0"/>
+        </a:xfrm>
+      </p:grpSpPr>
+      <p:sp>
+        <p:nvSpPr>
+          <p:cNvPr id="184" name="Shape 184"/>
+          <p:cNvSpPr>
+            <a:spLocks noGrp="1"/>
+          </p:cNvSpPr>
+          <p:nvPr>
+            <p:ph type="title"/>
+          </p:nvPr>
+        </p:nvSpPr>
+        <p:spPr>
+          <a:prstGeom prst="rect">
+            <a:avLst/>
+          </a:prstGeom>
+        </p:spPr>
+        <p:txBody>
+          <a:bodyPr lIns="45699" tIns="45699" rIns="45699" bIns="45699">
+            <a:normAutofit fontScale="90000"/>
+          </a:bodyPr>
+          <a:lstStyle/>
+          <a:p>
+            <a:r>
+              <a:rPr dirty="0"/>
+              <a:t>Quiz on Inodes</a:t>
+            </a:r>
+          </a:p>
+        </p:txBody>
+      </p:sp>
+      <p:sp>
+        <p:nvSpPr>
+          <p:cNvPr id="185" name="Shape 185"/>
+          <p:cNvSpPr>
+            <a:spLocks noGrp="1"/>
+          </p:cNvSpPr>
+          <p:nvPr>
+            <p:ph type="body" idx="1"/>
+          </p:nvPr>
+        </p:nvSpPr>
+        <p:spPr>
+          <a:xfrm>
+            <a:off x="457200" y="1295399"/>
+            <a:ext cx="8229600" cy="5257801"/>
+          </a:xfrm>
+          <a:prstGeom prst="rect">
+            <a:avLst/>
+          </a:prstGeom>
+        </p:spPr>
+        <p:txBody>
+          <a:bodyPr lIns="45699" tIns="45699" rIns="45699" bIns="45699">
+            <a:normAutofit lnSpcReduction="10000"/>
+          </a:bodyPr>
+          <a:lstStyle/>
+          <a:p>
+            <a:pPr marL="180473" indent="-180473">
+              <a:lnSpc>
+                <a:spcPct val="80000"/>
+              </a:lnSpc>
+              <a:spcBef>
+                <a:spcPts val="400"/>
+              </a:spcBef>
+              <a:buClrTx/>
+              <a:buFontTx/>
+              <a:buChar char="•"/>
+              <a:defRPr sz="2800"/>
+            </a:pPr>
+            <a:r>
+              <a:rPr sz="1800" dirty="0"/>
+              <a:t>All blocks in a disk are of size 4KB (4096 bytes</a:t>
+            </a:r>
+            <a:r>
+              <a:rPr sz="1800" dirty="0" smtClean="0"/>
+              <a:t>).</a:t>
+            </a:r>
+            <a:r>
+              <a:rPr lang="en-US" sz="1800" dirty="0" smtClean="0"/>
+              <a:t> </a:t>
+            </a:r>
+            <a:r>
+              <a:rPr lang="en-US" sz="1800" smtClean="0"/>
+              <a:t>A disk block </a:t>
+            </a:r>
+            <a:r>
+              <a:rPr lang="en-US" sz="1800" dirty="0" smtClean="0"/>
+              <a:t>can store either data or metadata (but not both).</a:t>
+            </a:r>
+          </a:p>
+          <a:p>
+            <a:pPr marL="180473" indent="-180473">
+              <a:lnSpc>
+                <a:spcPct val="80000"/>
+              </a:lnSpc>
+              <a:spcBef>
+                <a:spcPts val="400"/>
+              </a:spcBef>
+              <a:buClrTx/>
+              <a:buFontTx/>
+              <a:buChar char="•"/>
+              <a:defRPr sz="2800"/>
+            </a:pPr>
+            <a:endParaRPr lang="en-US" sz="1800" dirty="0"/>
+          </a:p>
+          <a:p>
+            <a:pPr marL="180473" indent="-180473">
+              <a:lnSpc>
+                <a:spcPct val="80000"/>
+              </a:lnSpc>
+              <a:spcBef>
+                <a:spcPts val="400"/>
+              </a:spcBef>
+              <a:buClrTx/>
+              <a:buFontTx/>
+              <a:buChar char="•"/>
+              <a:defRPr sz="2800"/>
+            </a:pPr>
+            <a:r>
+              <a:rPr lang="en-US" sz="1800" dirty="0" smtClean="0"/>
+              <a:t>Each block address, i.e. a block’s location on the disk, is 8-bytes in size</a:t>
+            </a:r>
+            <a:endParaRPr lang="en-US" sz="1800" dirty="0"/>
+          </a:p>
+          <a:p>
+            <a:pPr marL="280736" indent="-280736">
+              <a:lnSpc>
+                <a:spcPct val="80000"/>
+              </a:lnSpc>
+              <a:spcBef>
+                <a:spcPts val="400"/>
+              </a:spcBef>
+              <a:buClrTx/>
+              <a:buFontTx/>
+              <a:buChar char="•"/>
+              <a:defRPr sz="2800"/>
+            </a:pPr>
+            <a:endParaRPr sz="1800" dirty="0"/>
+          </a:p>
+          <a:p>
+            <a:pPr marL="180473" indent="-180473">
+              <a:lnSpc>
+                <a:spcPct val="80000"/>
+              </a:lnSpc>
+              <a:spcBef>
+                <a:spcPts val="400"/>
+              </a:spcBef>
+              <a:buClrTx/>
+              <a:buFontTx/>
+              <a:buChar char="•"/>
+              <a:defRPr sz="2800"/>
+            </a:pPr>
+            <a:r>
+              <a:rPr lang="en-US" sz="1800" dirty="0" smtClean="0"/>
+              <a:t>Assume that all </a:t>
+            </a:r>
+            <a:r>
+              <a:rPr sz="1800" dirty="0" smtClean="0"/>
+              <a:t>file attributes</a:t>
+            </a:r>
+            <a:r>
+              <a:rPr lang="en-US" sz="1800" dirty="0" smtClean="0"/>
+              <a:t> other than</a:t>
+            </a:r>
+            <a:r>
+              <a:rPr sz="1800" dirty="0" smtClean="0"/>
+              <a:t> </a:t>
+            </a:r>
+            <a:r>
+              <a:rPr sz="1800" dirty="0"/>
+              <a:t>data block </a:t>
+            </a:r>
+            <a:r>
+              <a:rPr lang="en-US" sz="1800" dirty="0" smtClean="0"/>
+              <a:t>addresses</a:t>
+            </a:r>
+            <a:r>
+              <a:rPr sz="1800" dirty="0" smtClean="0"/>
+              <a:t>, </a:t>
+            </a:r>
+            <a:r>
+              <a:rPr sz="1800" dirty="0"/>
+              <a:t>take up </a:t>
+            </a:r>
+            <a:r>
+              <a:rPr lang="en-US" sz="1800" dirty="0" smtClean="0"/>
+              <a:t>negligible space in the top-level block of </a:t>
+            </a:r>
+            <a:r>
+              <a:rPr lang="en-US" sz="1800" dirty="0" err="1" smtClean="0"/>
+              <a:t>inode</a:t>
+            </a:r>
+            <a:r>
+              <a:rPr lang="en-US" sz="1800" dirty="0" smtClean="0"/>
+              <a:t> block.</a:t>
+            </a:r>
+            <a:endParaRPr sz="1800" dirty="0"/>
+          </a:p>
+          <a:p>
+            <a:pPr marL="280736" indent="-280736">
+              <a:lnSpc>
+                <a:spcPct val="80000"/>
+              </a:lnSpc>
+              <a:spcBef>
+                <a:spcPts val="400"/>
+              </a:spcBef>
+              <a:buClrTx/>
+              <a:buFontTx/>
+              <a:buChar char="•"/>
+              <a:defRPr sz="2800"/>
+            </a:pPr>
+            <a:endParaRPr sz="1800" dirty="0"/>
+          </a:p>
+          <a:p>
+            <a:pPr marL="180473" indent="-180473">
+              <a:lnSpc>
+                <a:spcPct val="80000"/>
+              </a:lnSpc>
+              <a:spcBef>
+                <a:spcPts val="400"/>
+              </a:spcBef>
+              <a:buClrTx/>
+              <a:buFontTx/>
+              <a:buChar char="•"/>
+              <a:defRPr sz="2800"/>
+            </a:pPr>
+            <a:r>
+              <a:rPr sz="1800" dirty="0"/>
+              <a:t>Last three entries of the </a:t>
+            </a:r>
+            <a:r>
+              <a:rPr lang="en-US" sz="1800" dirty="0" smtClean="0"/>
+              <a:t>top-level block of</a:t>
+            </a:r>
+            <a:r>
+              <a:rPr sz="1800" dirty="0" smtClean="0"/>
+              <a:t> </a:t>
+            </a:r>
+            <a:r>
+              <a:rPr sz="1800" dirty="0"/>
+              <a:t>inode </a:t>
+            </a:r>
+            <a:r>
+              <a:rPr lang="en-US" sz="1800" dirty="0" smtClean="0"/>
+              <a:t>contain </a:t>
+            </a:r>
+            <a:r>
+              <a:rPr sz="1800" dirty="0" smtClean="0"/>
+              <a:t>single, double, </a:t>
+            </a:r>
+            <a:r>
+              <a:rPr sz="1800" dirty="0"/>
+              <a:t>and </a:t>
+            </a:r>
+            <a:r>
+              <a:rPr sz="1800" dirty="0" smtClean="0"/>
+              <a:t>triple</a:t>
+            </a:r>
+            <a:r>
+              <a:rPr lang="en-US" sz="1800" dirty="0"/>
+              <a:t> </a:t>
+            </a:r>
+            <a:r>
+              <a:rPr sz="1800" dirty="0" smtClean="0"/>
+              <a:t>indirect block</a:t>
+            </a:r>
+            <a:r>
+              <a:rPr lang="en-US" sz="1800" dirty="0" smtClean="0"/>
+              <a:t> addresses.</a:t>
+            </a:r>
+          </a:p>
+          <a:p>
+            <a:pPr marL="180473" indent="-180473">
+              <a:lnSpc>
+                <a:spcPct val="80000"/>
+              </a:lnSpc>
+              <a:spcBef>
+                <a:spcPts val="400"/>
+              </a:spcBef>
+              <a:buClrTx/>
+              <a:buFontTx/>
+              <a:buChar char="•"/>
+              <a:defRPr sz="2800"/>
+            </a:pPr>
+            <a:endParaRPr lang="en-US" sz="1800" dirty="0"/>
+          </a:p>
+          <a:p>
+            <a:pPr marL="180473" indent="-180473">
+              <a:lnSpc>
+                <a:spcPct val="80000"/>
+              </a:lnSpc>
+              <a:spcBef>
+                <a:spcPts val="400"/>
+              </a:spcBef>
+              <a:buClrTx/>
+              <a:buFontTx/>
+              <a:buChar char="•"/>
+              <a:defRPr sz="2800"/>
+            </a:pPr>
+            <a:r>
+              <a:rPr lang="en-US" sz="1800" dirty="0" smtClean="0"/>
+              <a:t>Rest of the space in the top-level </a:t>
+            </a:r>
+            <a:r>
+              <a:rPr lang="en-US" sz="1800" dirty="0" err="1" smtClean="0"/>
+              <a:t>inode</a:t>
+            </a:r>
+            <a:r>
+              <a:rPr lang="en-US" sz="1800" dirty="0" smtClean="0"/>
+              <a:t> (between end </a:t>
+            </a:r>
+            <a:r>
+              <a:rPr lang="en-US" sz="1800" dirty="0" smtClean="0"/>
+              <a:t>of attributes and single-indirect block address) </a:t>
+            </a:r>
+            <a:r>
+              <a:rPr lang="en-US" sz="1800" dirty="0" smtClean="0"/>
+              <a:t>is used to store direct block addresses.</a:t>
+            </a:r>
+            <a:endParaRPr sz="1800" dirty="0"/>
+          </a:p>
+          <a:p>
+            <a:pPr indent="120650">
+              <a:buSzTx/>
+              <a:buNone/>
+            </a:pPr>
+            <a:endParaRPr sz="1800" dirty="0"/>
+          </a:p>
+          <a:p>
+            <a:pPr>
+              <a:lnSpc>
+                <a:spcPct val="80000"/>
+              </a:lnSpc>
+              <a:spcBef>
+                <a:spcPts val="400"/>
+              </a:spcBef>
+              <a:buSzPct val="80555"/>
+            </a:pPr>
+            <a:r>
+              <a:rPr sz="1800" dirty="0" smtClean="0"/>
+              <a:t>Question</a:t>
+            </a:r>
+            <a:r>
+              <a:rPr lang="en-US" sz="1800" dirty="0" smtClean="0"/>
+              <a:t> 1</a:t>
+            </a:r>
+            <a:r>
+              <a:rPr sz="1800" dirty="0" smtClean="0"/>
+              <a:t>:</a:t>
+            </a:r>
+            <a:r>
+              <a:rPr lang="en-US" sz="1800" dirty="0" smtClean="0"/>
+              <a:t> </a:t>
+            </a:r>
+            <a:r>
+              <a:rPr sz="1800" dirty="0" smtClean="0"/>
+              <a:t>What </a:t>
+            </a:r>
+            <a:r>
+              <a:rPr sz="1800" dirty="0"/>
+              <a:t>is the largest size of a file that can be accessed through </a:t>
+            </a:r>
+            <a:endParaRPr lang="en-US" sz="1800" dirty="0" smtClean="0"/>
+          </a:p>
+          <a:p>
+            <a:pPr lvl="1">
+              <a:lnSpc>
+                <a:spcPct val="80000"/>
+              </a:lnSpc>
+              <a:spcBef>
+                <a:spcPts val="400"/>
+              </a:spcBef>
+              <a:buSzPct val="80555"/>
+            </a:pPr>
+            <a:r>
+              <a:rPr sz="1800" dirty="0" smtClean="0"/>
+              <a:t>direct </a:t>
+            </a:r>
+            <a:r>
+              <a:rPr sz="1800" dirty="0"/>
+              <a:t>block </a:t>
+            </a:r>
+            <a:r>
+              <a:rPr sz="1800" dirty="0" smtClean="0"/>
+              <a:t>entries?</a:t>
+            </a:r>
+            <a:endParaRPr lang="en-US" sz="1800" dirty="0" smtClean="0"/>
+          </a:p>
+          <a:p>
+            <a:pPr lvl="1">
+              <a:lnSpc>
+                <a:spcPct val="80000"/>
+              </a:lnSpc>
+              <a:spcBef>
+                <a:spcPts val="400"/>
+              </a:spcBef>
+              <a:buSzPct val="80555"/>
+            </a:pPr>
+            <a:r>
+              <a:rPr lang="en-US" sz="1800" dirty="0"/>
+              <a:t>direct </a:t>
+            </a:r>
+            <a:r>
+              <a:rPr lang="en-US" sz="1800" dirty="0" smtClean="0"/>
+              <a:t>+ single indirect block </a:t>
+            </a:r>
+            <a:r>
+              <a:rPr lang="en-US" sz="1800" dirty="0"/>
+              <a:t>entries</a:t>
+            </a:r>
+            <a:r>
+              <a:rPr lang="en-US" sz="1800" dirty="0" smtClean="0"/>
+              <a:t>?</a:t>
+            </a:r>
+          </a:p>
+          <a:p>
+            <a:pPr lvl="1">
+              <a:lnSpc>
+                <a:spcPct val="80000"/>
+              </a:lnSpc>
+              <a:spcBef>
+                <a:spcPts val="400"/>
+              </a:spcBef>
+              <a:buSzPct val="80555"/>
+            </a:pPr>
+            <a:r>
+              <a:rPr lang="en-US" sz="1800" dirty="0"/>
+              <a:t>direct + </a:t>
+            </a:r>
+            <a:r>
+              <a:rPr lang="en-US" sz="1800" dirty="0" smtClean="0"/>
+              <a:t>single + double indirect block </a:t>
+            </a:r>
+            <a:r>
+              <a:rPr lang="en-US" sz="1800" dirty="0"/>
+              <a:t>entries?</a:t>
+            </a:r>
+          </a:p>
+          <a:p>
+            <a:pPr lvl="1">
+              <a:lnSpc>
+                <a:spcPct val="80000"/>
+              </a:lnSpc>
+              <a:spcBef>
+                <a:spcPts val="400"/>
+              </a:spcBef>
+              <a:buSzPct val="80555"/>
+            </a:pPr>
+            <a:r>
+              <a:rPr lang="en-US" sz="1800" dirty="0"/>
+              <a:t>direct + single + double </a:t>
+            </a:r>
+            <a:r>
+              <a:rPr lang="en-US" sz="1800" dirty="0" smtClean="0"/>
+              <a:t>+ triple indirect </a:t>
+            </a:r>
+            <a:r>
+              <a:rPr lang="en-US" sz="1800" dirty="0"/>
+              <a:t>block entries</a:t>
+            </a:r>
+            <a:r>
+              <a:rPr lang="en-US" sz="1800" dirty="0" smtClean="0"/>
+              <a:t>?</a:t>
+            </a:r>
+          </a:p>
+          <a:p>
+            <a:pPr>
+              <a:lnSpc>
+                <a:spcPct val="80000"/>
+              </a:lnSpc>
+              <a:spcBef>
+                <a:spcPts val="400"/>
+              </a:spcBef>
+              <a:buSzPct val="80555"/>
+            </a:pPr>
+            <a:endParaRPr lang="en-US" sz="1800" dirty="0"/>
+          </a:p>
+          <a:p>
+            <a:pPr>
+              <a:lnSpc>
+                <a:spcPct val="80000"/>
+              </a:lnSpc>
+              <a:spcBef>
+                <a:spcPts val="400"/>
+              </a:spcBef>
+              <a:buSzPct val="80555"/>
+            </a:pPr>
+            <a:r>
+              <a:rPr lang="en-US" sz="1800" dirty="0" smtClean="0"/>
+              <a:t>Question 2: What is the size of an </a:t>
+            </a:r>
+            <a:r>
+              <a:rPr lang="en-US" sz="1800" dirty="0" err="1" smtClean="0"/>
+              <a:t>inode</a:t>
+            </a:r>
+            <a:r>
+              <a:rPr lang="en-US" sz="1800" dirty="0" smtClean="0"/>
+              <a:t> (in bytes) for a 32GB file?</a:t>
+            </a:r>
+            <a:endParaRPr lang="en-US" sz="1800" dirty="0"/>
+          </a:p>
+          <a:p>
+            <a:pPr lvl="1">
+              <a:lnSpc>
+                <a:spcPct val="80000"/>
+              </a:lnSpc>
+              <a:spcBef>
+                <a:spcPts val="400"/>
+              </a:spcBef>
+              <a:buSzPct val="80555"/>
+            </a:pPr>
+            <a:endParaRPr lang="en-US" sz="1800" dirty="0"/>
+          </a:p>
+          <a:p>
+            <a:pPr lvl="1">
+              <a:lnSpc>
+                <a:spcPct val="80000"/>
+              </a:lnSpc>
+              <a:spcBef>
+                <a:spcPts val="400"/>
+              </a:spcBef>
+              <a:buSzPct val="80555"/>
+            </a:pPr>
+            <a:endParaRPr lang="en-US" sz="1800" dirty="0" smtClean="0"/>
+          </a:p>
+        </p:txBody>
+      </p:sp>
+    </p:spTree>
+    <p:extLst>
+      <p:ext uri="{BB962C8B-B14F-4D97-AF65-F5344CB8AC3E}">
+        <p14:creationId xmlns:p14="http://schemas.microsoft.com/office/powerpoint/2010/main" val="2091625699"/>
+      </p:ext>
+    </p:extLst>
+  </p:cSld>
+  <p:clrMapOvr>
+    <a:masterClrMapping/>
+  </p:clrMapOvr>
+  <p:transition spd="med"/>
 </p:sld>
 </file>
 
 <file path=ppt/slides/slide3.xml><?xml version="1.0" encoding="utf-8"?>
-<p:sld xmlns:a="http://schemas.openxmlformats.org/drawingml/2006/main" xmlns:r="http://schemas.openxmlformats.org/officeDocument/2006/relationships" xmlns:p="http://schemas.openxmlformats.org/presentationml/2006/main" showMasterSp="1" showMasterPhAnim="1">
+<p:sld xmlns:a="http://schemas.openxmlformats.org/drawingml/2006/main" xmlns:r="http://schemas.openxmlformats.org/officeDocument/2006/relationships" xmlns:p="http://schemas.openxmlformats.org/presentationml/2006/main">
   <p:cSld>
     <p:spTree>
       <p:nvGrpSpPr>
@@ -4442,7 +5082,9 @@
       <p:sp>
         <p:nvSpPr>
           <p:cNvPr id="38" name="Shape 38"/>
-          <p:cNvSpPr/>
+          <p:cNvSpPr>
+            <a:spLocks noGrp="1"/>
+          </p:cNvSpPr>
           <p:nvPr>
             <p:ph type="title"/>
           </p:nvPr>
@@ -4454,11 +5096,10 @@
         </p:spPr>
         <p:txBody>
           <a:bodyPr>
-            <a:normAutofit fontScale="100000" lnSpcReduction="0"/>
+            <a:normAutofit fontScale="90000"/>
           </a:bodyPr>
           <a:lstStyle/>
           <a:p>
-            <a:pPr/>
             <a:r>
               <a:t>Metadata — Examples</a:t>
             </a:r>
@@ -4499,12 +5140,12 @@
   <p:clrMapOvr>
     <a:masterClrMapping/>
   </p:clrMapOvr>
-  <p:transition xmlns:p14="http://schemas.microsoft.com/office/powerpoint/2010/main" spd="med" advClick="1"/>
+  <p:transition spd="med"/>
 </p:sld>
 </file>
 
 <file path=ppt/slides/slide4.xml><?xml version="1.0" encoding="utf-8"?>
-<p:sld xmlns:a="http://schemas.openxmlformats.org/drawingml/2006/main" xmlns:r="http://schemas.openxmlformats.org/officeDocument/2006/relationships" xmlns:p="http://schemas.openxmlformats.org/presentationml/2006/main" showMasterSp="1" showMasterPhAnim="1">
+<p:sld xmlns:a="http://schemas.openxmlformats.org/drawingml/2006/main" xmlns:r="http://schemas.openxmlformats.org/officeDocument/2006/relationships" xmlns:p="http://schemas.openxmlformats.org/presentationml/2006/main">
   <p:cSld>
     <p:spTree>
       <p:nvGrpSpPr>
@@ -4523,7 +5164,9 @@
       <p:sp>
         <p:nvSpPr>
           <p:cNvPr id="41" name="Shape 41"/>
-          <p:cNvSpPr/>
+          <p:cNvSpPr>
+            <a:spLocks noGrp="1"/>
+          </p:cNvSpPr>
           <p:nvPr>
             <p:ph type="title"/>
           </p:nvPr>
@@ -4535,11 +5178,10 @@
         </p:spPr>
         <p:txBody>
           <a:bodyPr>
-            <a:normAutofit fontScale="100000" lnSpcReduction="0"/>
+            <a:normAutofit fontScale="90000"/>
           </a:bodyPr>
           <a:lstStyle/>
           <a:p>
-            <a:pPr/>
             <a:r>
               <a:t>File Types</a:t>
             </a:r>
@@ -4549,7 +5191,9 @@
       <p:sp>
         <p:nvSpPr>
           <p:cNvPr id="42" name="Shape 42"/>
-          <p:cNvSpPr/>
+          <p:cNvSpPr>
+            <a:spLocks noGrp="1"/>
+          </p:cNvSpPr>
           <p:nvPr>
             <p:ph type="body" idx="1"/>
           </p:nvPr>
@@ -4582,6 +5226,7 @@
             <a:pPr lvl="1">
               <a:defRPr sz="2600"/>
             </a:pPr>
+            <a:endParaRPr/>
           </a:p>
           <a:p>
             <a:pPr marL="320842" indent="-320842">
@@ -4603,6 +5248,7 @@
             <a:pPr marL="320842" indent="-320842">
               <a:defRPr sz="2600"/>
             </a:pPr>
+            <a:endParaRPr/>
           </a:p>
           <a:p>
             <a:pPr marL="320842" indent="-320842">
@@ -4624,6 +5270,7 @@
             <a:pPr lvl="1">
               <a:defRPr sz="2600"/>
             </a:pPr>
+            <a:endParaRPr/>
           </a:p>
           <a:p>
             <a:pPr marL="320842" indent="-320842">
@@ -4648,12 +5295,12 @@
   <p:clrMapOvr>
     <a:masterClrMapping/>
   </p:clrMapOvr>
-  <p:transition xmlns:p14="http://schemas.microsoft.com/office/powerpoint/2010/main" spd="med" advClick="1"/>
+  <p:transition spd="med"/>
 </p:sld>
 </file>
 
 <file path=ppt/slides/slide5.xml><?xml version="1.0" encoding="utf-8"?>
-<p:sld xmlns:a="http://schemas.openxmlformats.org/drawingml/2006/main" xmlns:r="http://schemas.openxmlformats.org/officeDocument/2006/relationships" xmlns:p="http://schemas.openxmlformats.org/presentationml/2006/main" showMasterSp="1" showMasterPhAnim="1">
+<p:sld xmlns:a="http://schemas.openxmlformats.org/drawingml/2006/main" xmlns:r="http://schemas.openxmlformats.org/officeDocument/2006/relationships" xmlns:p="http://schemas.openxmlformats.org/presentationml/2006/main">
   <p:cSld>
     <p:spTree>
       <p:nvGrpSpPr>
@@ -4672,7 +5319,9 @@
       <p:sp>
         <p:nvSpPr>
           <p:cNvPr id="44" name="Shape 44"/>
-          <p:cNvSpPr/>
+          <p:cNvSpPr>
+            <a:spLocks noGrp="1"/>
+          </p:cNvSpPr>
           <p:nvPr>
             <p:ph type="title"/>
           </p:nvPr>
@@ -4686,7 +5335,6 @@
           <a:bodyPr/>
           <a:lstStyle/>
           <a:p>
-            <a:pPr/>
             <a:r>
               <a:t>Basic File System Operations</a:t>
             </a:r>
@@ -4696,7 +5344,9 @@
       <p:sp>
         <p:nvSpPr>
           <p:cNvPr id="45" name="Shape 45"/>
-          <p:cNvSpPr/>
+          <p:cNvSpPr>
+            <a:spLocks noGrp="1"/>
+          </p:cNvSpPr>
           <p:nvPr>
             <p:ph type="body" idx="1"/>
           </p:nvPr>
@@ -4710,43 +5360,36 @@
           <a:bodyPr/>
           <a:lstStyle/>
           <a:p>
-            <a:pPr/>
             <a:r>
               <a:t>Create a file</a:t>
             </a:r>
           </a:p>
           <a:p>
-            <a:pPr/>
             <a:r>
               <a:t>Open an existing file</a:t>
             </a:r>
           </a:p>
           <a:p>
-            <a:pPr/>
             <a:r>
               <a:t>Write to a file</a:t>
             </a:r>
           </a:p>
           <a:p>
-            <a:pPr/>
             <a:r>
               <a:t>Read from a file</a:t>
             </a:r>
           </a:p>
           <a:p>
-            <a:pPr/>
             <a:r>
               <a:t>Seek to somewhere in a file</a:t>
             </a:r>
           </a:p>
           <a:p>
-            <a:pPr/>
             <a:r>
               <a:t>Close an open file</a:t>
             </a:r>
           </a:p>
           <a:p>
-            <a:pPr/>
             <a:r>
               <a:t>Delete a file</a:t>
             </a:r>
@@ -4758,12 +5401,12 @@
   <p:clrMapOvr>
     <a:masterClrMapping/>
   </p:clrMapOvr>
-  <p:transition xmlns:p14="http://schemas.microsoft.com/office/powerpoint/2010/main" spd="med" advClick="1"/>
+  <p:transition spd="med"/>
 </p:sld>
 </file>
 
 <file path=ppt/slides/slide6.xml><?xml version="1.0" encoding="utf-8"?>
-<p:sld xmlns:a="http://schemas.openxmlformats.org/drawingml/2006/main" xmlns:r="http://schemas.openxmlformats.org/officeDocument/2006/relationships" xmlns:p="http://schemas.openxmlformats.org/presentationml/2006/main" showMasterSp="1" showMasterPhAnim="1">
+<p:sld xmlns:a="http://schemas.openxmlformats.org/drawingml/2006/main" xmlns:r="http://schemas.openxmlformats.org/officeDocument/2006/relationships" xmlns:p="http://schemas.openxmlformats.org/presentationml/2006/main">
   <p:cSld>
     <p:spTree>
       <p:nvGrpSpPr>
@@ -4782,7 +5425,9 @@
       <p:sp>
         <p:nvSpPr>
           <p:cNvPr id="47" name="Shape 47"/>
-          <p:cNvSpPr/>
+          <p:cNvSpPr>
+            <a:spLocks noGrp="1"/>
+          </p:cNvSpPr>
           <p:nvPr>
             <p:ph type="title"/>
           </p:nvPr>
@@ -4796,7 +5441,6 @@
           <a:bodyPr/>
           <a:lstStyle/>
           <a:p>
-            <a:pPr/>
             <a:r>
               <a:t>Virtual File System (VFS)</a:t>
             </a:r>
@@ -4806,7 +5450,9 @@
       <p:sp>
         <p:nvSpPr>
           <p:cNvPr id="48" name="Shape 48"/>
-          <p:cNvSpPr/>
+          <p:cNvSpPr>
+            <a:spLocks noGrp="1"/>
+          </p:cNvSpPr>
           <p:nvPr>
             <p:ph type="body" sz="half" idx="1"/>
           </p:nvPr>
@@ -4835,11 +5481,11 @@
             </a:r>
           </a:p>
           <a:p>
-            <a:pPr lvl="1" marL="828842">
+            <a:pPr marL="828842" lvl="1">
               <a:spcBef>
                 <a:spcPts val="0"/>
               </a:spcBef>
-              <a:buAutoNum type="arabicPeriod" startAt="1"/>
+              <a:buAutoNum type="arabicPeriod"/>
               <a:defRPr sz="2300"/>
             </a:pPr>
             <a:r>
@@ -4847,11 +5493,11 @@
             </a:r>
           </a:p>
           <a:p>
-            <a:pPr lvl="1" marL="828842">
+            <a:pPr marL="828842" lvl="1">
               <a:spcBef>
                 <a:spcPts val="0"/>
               </a:spcBef>
-              <a:buAutoNum type="arabicPeriod" startAt="1"/>
+              <a:buAutoNum type="arabicPeriod"/>
               <a:defRPr sz="2300"/>
             </a:pPr>
             <a:r>
@@ -4897,7 +5543,6 @@
             <a:lvl1pPr algn="ctr"/>
           </a:lstStyle>
           <a:p>
-            <a:pPr/>
             <a:r>
               <a:t>User Applications</a:t>
             </a:r>
@@ -4941,7 +5586,6 @@
             <a:lvl1pPr algn="ctr"/>
           </a:lstStyle>
           <a:p>
-            <a:pPr/>
             <a:r>
               <a:t>System Calls</a:t>
             </a:r>
@@ -4985,7 +5629,6 @@
             <a:lvl1pPr algn="ctr"/>
           </a:lstStyle>
           <a:p>
-            <a:pPr/>
             <a:r>
               <a:t>Virtual File System</a:t>
             </a:r>
@@ -5029,7 +5672,6 @@
             <a:lvl1pPr algn="ctr"/>
           </a:lstStyle>
           <a:p>
-            <a:pPr/>
             <a:r>
               <a:t>File System 1</a:t>
             </a:r>
@@ -5073,7 +5715,6 @@
             <a:lvl1pPr algn="ctr"/>
           </a:lstStyle>
           <a:p>
-            <a:pPr/>
             <a:r>
               <a:t>File System 2</a:t>
             </a:r>
@@ -5117,7 +5758,6 @@
             <a:lvl1pPr algn="ctr"/>
           </a:lstStyle>
           <a:p>
-            <a:pPr/>
             <a:r>
               <a:t>File System N</a:t>
             </a:r>
@@ -5153,7 +5793,6 @@
           </a:bodyPr>
           <a:lstStyle/>
           <a:p>
-            <a:pPr/>
             <a:r>
               <a:t>……</a:t>
             </a:r>
@@ -5197,7 +5836,6 @@
             <a:lvl1pPr algn="ctr"/>
           </a:lstStyle>
           <a:p>
-            <a:pPr/>
             <a:r>
               <a:t>File System Cache</a:t>
             </a:r>
@@ -5241,7 +5879,6 @@
             <a:lvl1pPr algn="ctr"/>
           </a:lstStyle>
           <a:p>
-            <a:pPr/>
             <a:r>
               <a:t>Device Drivers</a:t>
             </a:r>
@@ -5285,7 +5922,6 @@
             <a:lvl1pPr algn="ctr"/>
           </a:lstStyle>
           <a:p>
-            <a:pPr/>
             <a:r>
               <a:t>Storage 1</a:t>
             </a:r>
@@ -5329,7 +5965,6 @@
             <a:lvl1pPr algn="ctr"/>
           </a:lstStyle>
           <a:p>
-            <a:pPr/>
             <a:r>
               <a:t>Storage 2</a:t>
             </a:r>
@@ -5373,7 +6008,6 @@
             <a:lvl1pPr algn="ctr"/>
           </a:lstStyle>
           <a:p>
-            <a:pPr/>
             <a:r>
               <a:t>Storage 3</a:t>
             </a:r>
@@ -5409,7 +6043,6 @@
           </a:bodyPr>
           <a:lstStyle/>
           <a:p>
-            <a:pPr/>
             <a:r>
               <a:t>……</a:t>
             </a:r>
@@ -5421,12 +6054,12 @@
   <p:clrMapOvr>
     <a:masterClrMapping/>
   </p:clrMapOvr>
-  <p:transition xmlns:p14="http://schemas.microsoft.com/office/powerpoint/2010/main" spd="med" advClick="1"/>
+  <p:transition spd="med"/>
 </p:sld>
 </file>
 
 <file path=ppt/slides/slide7.xml><?xml version="1.0" encoding="utf-8"?>
-<p:sld xmlns:a="http://schemas.openxmlformats.org/drawingml/2006/main" xmlns:r="http://schemas.openxmlformats.org/officeDocument/2006/relationships" xmlns:p="http://schemas.openxmlformats.org/presentationml/2006/main" showMasterSp="1" showMasterPhAnim="1">
+<p:sld xmlns:a="http://schemas.openxmlformats.org/drawingml/2006/main" xmlns:r="http://schemas.openxmlformats.org/officeDocument/2006/relationships" xmlns:p="http://schemas.openxmlformats.org/presentationml/2006/main">
   <p:cSld>
     <p:spTree>
       <p:nvGrpSpPr>
@@ -5445,7 +6078,9 @@
       <p:sp>
         <p:nvSpPr>
           <p:cNvPr id="63" name="Shape 63"/>
-          <p:cNvSpPr/>
+          <p:cNvSpPr>
+            <a:spLocks noGrp="1"/>
+          </p:cNvSpPr>
           <p:nvPr>
             <p:ph type="title"/>
           </p:nvPr>
@@ -5459,7 +6094,6 @@
           <a:bodyPr/>
           <a:lstStyle/>
           <a:p>
-            <a:pPr/>
             <a:r>
               <a:t>Partitions and File-system Layout</a:t>
             </a:r>
@@ -5478,7 +6112,7 @@
           <a:blip r:embed="rId2">
             <a:extLst/>
           </a:blip>
-          <a:srcRect l="0" t="0" r="0" b="0"/>
+          <a:srcRect/>
           <a:stretch>
             <a:fillRect/>
           </a:stretch>
@@ -5525,7 +6159,6 @@
           </a:bodyPr>
           <a:lstStyle/>
           <a:p>
-            <a:pPr/>
             <a:r>
               <a:t>File System 1</a:t>
             </a:r>
@@ -5561,7 +6194,6 @@
           </a:bodyPr>
           <a:lstStyle/>
           <a:p>
-            <a:pPr/>
             <a:r>
               <a:t>File System 2</a:t>
             </a:r>
@@ -5597,7 +6229,6 @@
           </a:bodyPr>
           <a:lstStyle/>
           <a:p>
-            <a:pPr/>
             <a:r>
               <a:t>File System 3</a:t>
             </a:r>
@@ -5633,7 +6264,6 @@
           </a:bodyPr>
           <a:lstStyle/>
           <a:p>
-            <a:pPr/>
             <a:r>
               <a:t>…</a:t>
             </a:r>
@@ -5645,12 +6275,12 @@
   <p:clrMapOvr>
     <a:masterClrMapping/>
   </p:clrMapOvr>
-  <p:transition xmlns:p14="http://schemas.microsoft.com/office/powerpoint/2010/main" spd="med" advClick="1"/>
+  <p:transition spd="med"/>
 </p:sld>
 </file>
 
 <file path=ppt/slides/slide8.xml><?xml version="1.0" encoding="utf-8"?>
-<p:sld xmlns:a="http://schemas.openxmlformats.org/drawingml/2006/main" xmlns:r="http://schemas.openxmlformats.org/officeDocument/2006/relationships" xmlns:p="http://schemas.openxmlformats.org/presentationml/2006/main" showMasterSp="1" showMasterPhAnim="1">
+<p:sld xmlns:a="http://schemas.openxmlformats.org/drawingml/2006/main" xmlns:r="http://schemas.openxmlformats.org/officeDocument/2006/relationships" xmlns:p="http://schemas.openxmlformats.org/presentationml/2006/main">
   <p:cSld>
     <p:spTree>
       <p:nvGrpSpPr>
@@ -5669,7 +6299,9 @@
       <p:sp>
         <p:nvSpPr>
           <p:cNvPr id="70" name="Shape 70"/>
-          <p:cNvSpPr/>
+          <p:cNvSpPr>
+            <a:spLocks noGrp="1"/>
+          </p:cNvSpPr>
           <p:nvPr>
             <p:ph type="title"/>
           </p:nvPr>
@@ -5687,7 +6319,6 @@
             </a:lvl1pPr>
           </a:lstStyle>
           <a:p>
-            <a:pPr/>
             <a:r>
               <a:t>Organizing Files on Disk: Contiguous Allocation</a:t>
             </a:r>
@@ -5697,7 +6328,9 @@
       <p:sp>
         <p:nvSpPr>
           <p:cNvPr id="71" name="Shape 71"/>
-          <p:cNvSpPr/>
+          <p:cNvSpPr>
+            <a:spLocks noGrp="1"/>
+          </p:cNvSpPr>
           <p:nvPr>
             <p:ph type="body" sz="half" idx="1"/>
           </p:nvPr>
@@ -5770,12 +6403,12 @@
   <p:clrMapOvr>
     <a:masterClrMapping/>
   </p:clrMapOvr>
-  <p:transition xmlns:p14="http://schemas.microsoft.com/office/powerpoint/2010/main" spd="med" advClick="1"/>
+  <p:transition spd="med"/>
 </p:sld>
 </file>
 
 <file path=ppt/slides/slide9.xml><?xml version="1.0" encoding="utf-8"?>
-<p:sld xmlns:a="http://schemas.openxmlformats.org/drawingml/2006/main" xmlns:r="http://schemas.openxmlformats.org/officeDocument/2006/relationships" xmlns:p="http://schemas.openxmlformats.org/presentationml/2006/main" showMasterSp="1" showMasterPhAnim="1">
+<p:sld xmlns:a="http://schemas.openxmlformats.org/drawingml/2006/main" xmlns:r="http://schemas.openxmlformats.org/officeDocument/2006/relationships" xmlns:p="http://schemas.openxmlformats.org/presentationml/2006/main">
   <p:cSld>
     <p:spTree>
       <p:nvGrpSpPr>
@@ -5794,7 +6427,9 @@
       <p:sp>
         <p:nvSpPr>
           <p:cNvPr id="74" name="Shape 74"/>
-          <p:cNvSpPr/>
+          <p:cNvSpPr>
+            <a:spLocks noGrp="1"/>
+          </p:cNvSpPr>
           <p:nvPr>
             <p:ph type="title"/>
           </p:nvPr>
@@ -5812,7 +6447,6 @@
             </a:lvl1pPr>
           </a:lstStyle>
           <a:p>
-            <a:pPr/>
             <a:r>
               <a:t>Organizing Files on Disk: Singly Linked List of Blocks</a:t>
             </a:r>
@@ -5822,7 +6456,9 @@
       <p:sp>
         <p:nvSpPr>
           <p:cNvPr id="75" name="Shape 75"/>
-          <p:cNvSpPr/>
+          <p:cNvSpPr>
+            <a:spLocks noGrp="1"/>
+          </p:cNvSpPr>
           <p:nvPr>
             <p:ph type="body" sz="quarter" idx="1"/>
           </p:nvPr>
@@ -5891,14 +6527,14 @@
   <p:clrMapOvr>
     <a:masterClrMapping/>
   </p:clrMapOvr>
-  <p:transition xmlns:p14="http://schemas.microsoft.com/office/powerpoint/2010/main" spd="med" advClick="1"/>
+  <p:transition spd="med"/>
   <p:timing>
     <p:tnLst>
       <p:par>
-        <p:cTn id="1" nodeType="tmRoot" restart="never" dur="indefinite" fill="hold">
+        <p:cTn id="1" dur="indefinite" restart="never" fill="hold" nodeType="tmRoot">
           <p:childTnLst>
             <p:seq concurrent="1" prevAc="none" nextAc="seek">
-              <p:cTn id="2" nodeType="mainSeq" dur="indefinite" fill="hold">
+              <p:cTn id="2" dur="indefinite" fill="hold" nodeType="mainSeq">
                 <p:childTnLst>
                   <p:par>
                     <p:cTn id="3" fill="hold">
@@ -5913,11 +6549,11 @@
                             </p:stCondLst>
                             <p:childTnLst>
                               <p:par>
-                                <p:cTn id="5" presetClass="entr" nodeType="clickEffect" presetSubtype="0" presetID="1" grpId="1" fill="hold">
+                                <p:cTn id="5" presetID="1" presetClass="entr" presetSubtype="0" fill="hold" grpId="1" nodeType="clickEffect">
                                   <p:stCondLst>
                                     <p:cond delay="0"/>
                                   </p:stCondLst>
-                                  <p:iterate type="el" backwards="0">
+                                  <p:iterate>
                                     <p:tmAbs val="0"/>
                                   </p:iterate>
                                   <p:childTnLst>
@@ -5941,11 +6577,11 @@
                                 </p:cTn>
                               </p:par>
                               <p:par>
-                                <p:cTn id="7" presetClass="entr" nodeType="withEffect" presetSubtype="0" presetID="1" grpId="1" fill="hold">
+                                <p:cTn id="7" presetID="1" presetClass="entr" presetSubtype="0" fill="hold" grpId="1" nodeType="withEffect">
                                   <p:stCondLst>
                                     <p:cond delay="0"/>
                                   </p:stCondLst>
-                                  <p:iterate type="el" backwards="0">
+                                  <p:iterate>
                                     <p:tmAbs val="0"/>
                                   </p:iterate>
                                   <p:childTnLst>
@@ -5980,11 +6616,11 @@
                             </p:stCondLst>
                             <p:childTnLst>
                               <p:par>
-                                <p:cTn id="10" presetClass="entr" nodeType="afterEffect" presetSubtype="0" presetID="1" grpId="1" fill="hold">
+                                <p:cTn id="10" presetID="1" presetClass="entr" presetSubtype="0" fill="hold" grpId="1" nodeType="afterEffect">
                                   <p:stCondLst>
                                     <p:cond delay="0"/>
                                   </p:stCondLst>
-                                  <p:iterate type="el" backwards="0">
+                                  <p:iterate>
                                     <p:tmAbs val="0"/>
                                   </p:iterate>
                                   <p:childTnLst>
@@ -6018,14 +6654,14 @@
                 </p:childTnLst>
               </p:cTn>
               <p:prevCondLst>
-                <p:cond evt="onPrev">
+                <p:cond evt="onPrev" delay="0">
                   <p:tgtEl>
                     <p:sldTgt/>
                   </p:tgtEl>
                 </p:cond>
               </p:prevCondLst>
               <p:nextCondLst>
-                <p:cond evt="onNext">
+                <p:cond evt="onNext" delay="0">
                   <p:tgtEl>
                     <p:sldTgt/>
                   </p:tgtEl>
@@ -6037,14 +6673,14 @@
       </p:par>
     </p:tnLst>
     <p:bldLst>
-      <p:bldP build="p" bldLvl="1" animBg="1" rev="0" advAuto="0" spid="75" grpId="1"/>
+      <p:bldP spid="75" grpId="1" build="p" animBg="1" advAuto="0"/>
     </p:bldLst>
   </p:timing>
 </p:sld>
 </file>
 
 <file path=ppt/theme/theme1.xml><?xml version="1.0" encoding="utf-8"?>
-<a:theme xmlns:a="http://schemas.openxmlformats.org/drawingml/2006/main" xmlns:r="http://schemas.openxmlformats.org/officeDocument/2006/relationships" name="Default">
+<a:theme xmlns:a="http://schemas.openxmlformats.org/drawingml/2006/main" name="Default">
   <a:themeElements>
     <a:clrScheme name="Default">
       <a:dk1>
@@ -6176,7 +6812,7 @@
         </a:effectStyle>
         <a:effectStyle>
           <a:effectLst>
-            <a:outerShdw sx="100000" sy="100000" kx="0" ky="0" algn="b" rotWithShape="0" blurRad="38100" dist="20000" dir="5400000">
+            <a:outerShdw blurRad="38100" dist="20000" dir="5400000" rotWithShape="0">
               <a:srgbClr val="000000">
                 <a:alpha val="38000"/>
               </a:srgbClr>
@@ -6254,7 +6890,7 @@
         <a:effectLst/>
         <a:sp3d/>
       </a:spPr>
-      <a:bodyPr rot="0" spcFirstLastPara="1" vertOverflow="overflow" horzOverflow="overflow" vert="horz" wrap="square" lIns="45719" tIns="45719" rIns="45719" bIns="45719" numCol="1" spcCol="38100" rtlCol="0" anchor="t" upright="0">
+      <a:bodyPr rot="0" spcFirstLastPara="1" vertOverflow="overflow" horzOverflow="overflow" vert="horz" wrap="square" lIns="45719" tIns="45719" rIns="45719" bIns="45719" numCol="1" spcCol="38100" rtlCol="0" anchor="t">
         <a:spAutoFit/>
       </a:bodyPr>
       <a:lstStyle>
@@ -6273,7 +6909,7 @@
           <a:buFontTx/>
           <a:buNone/>
           <a:tabLst/>
-          <a:defRPr b="0" baseline="0" cap="none" i="0" spc="0" strike="noStrike" sz="2400" u="none" kumimoji="0" normalizeH="0">
+          <a:defRPr kumimoji="0" sz="2400" b="0" i="0" u="none" strike="noStrike" cap="none" spc="0" normalizeH="0" baseline="0">
             <a:ln>
               <a:noFill/>
             </a:ln>
@@ -6303,7 +6939,7 @@
           <a:buFontTx/>
           <a:buNone/>
           <a:tabLst/>
-          <a:defRPr b="0" baseline="0" cap="none" i="0" spc="0" strike="noStrike" sz="1800" u="none" kumimoji="0" normalizeH="0">
+          <a:defRPr kumimoji="0" sz="1800" b="0" i="0" u="none" strike="noStrike" cap="none" spc="0" normalizeH="0" baseline="0">
             <a:ln>
               <a:noFill/>
             </a:ln>
@@ -6329,7 +6965,7 @@
           <a:buFontTx/>
           <a:buNone/>
           <a:tabLst/>
-          <a:defRPr b="0" baseline="0" cap="none" i="0" spc="0" strike="noStrike" sz="1800" u="none" kumimoji="0" normalizeH="0">
+          <a:defRPr kumimoji="0" sz="1800" b="0" i="0" u="none" strike="noStrike" cap="none" spc="0" normalizeH="0" baseline="0">
             <a:ln>
               <a:noFill/>
             </a:ln>
@@ -6355,7 +6991,7 @@
           <a:buFontTx/>
           <a:buNone/>
           <a:tabLst/>
-          <a:defRPr b="0" baseline="0" cap="none" i="0" spc="0" strike="noStrike" sz="1800" u="none" kumimoji="0" normalizeH="0">
+          <a:defRPr kumimoji="0" sz="1800" b="0" i="0" u="none" strike="noStrike" cap="none" spc="0" normalizeH="0" baseline="0">
             <a:ln>
               <a:noFill/>
             </a:ln>
@@ -6381,7 +7017,7 @@
           <a:buFontTx/>
           <a:buNone/>
           <a:tabLst/>
-          <a:defRPr b="0" baseline="0" cap="none" i="0" spc="0" strike="noStrike" sz="1800" u="none" kumimoji="0" normalizeH="0">
+          <a:defRPr kumimoji="0" sz="1800" b="0" i="0" u="none" strike="noStrike" cap="none" spc="0" normalizeH="0" baseline="0">
             <a:ln>
               <a:noFill/>
             </a:ln>
@@ -6407,7 +7043,7 @@
           <a:buFontTx/>
           <a:buNone/>
           <a:tabLst/>
-          <a:defRPr b="0" baseline="0" cap="none" i="0" spc="0" strike="noStrike" sz="1800" u="none" kumimoji="0" normalizeH="0">
+          <a:defRPr kumimoji="0" sz="1800" b="0" i="0" u="none" strike="noStrike" cap="none" spc="0" normalizeH="0" baseline="0">
             <a:ln>
               <a:noFill/>
             </a:ln>
@@ -6433,7 +7069,7 @@
           <a:buFontTx/>
           <a:buNone/>
           <a:tabLst/>
-          <a:defRPr b="0" baseline="0" cap="none" i="0" spc="0" strike="noStrike" sz="1800" u="none" kumimoji="0" normalizeH="0">
+          <a:defRPr kumimoji="0" sz="1800" b="0" i="0" u="none" strike="noStrike" cap="none" spc="0" normalizeH="0" baseline="0">
             <a:ln>
               <a:noFill/>
             </a:ln>
@@ -6459,7 +7095,7 @@
           <a:buFontTx/>
           <a:buNone/>
           <a:tabLst/>
-          <a:defRPr b="0" baseline="0" cap="none" i="0" spc="0" strike="noStrike" sz="1800" u="none" kumimoji="0" normalizeH="0">
+          <a:defRPr kumimoji="0" sz="1800" b="0" i="0" u="none" strike="noStrike" cap="none" spc="0" normalizeH="0" baseline="0">
             <a:ln>
               <a:noFill/>
             </a:ln>
@@ -6485,7 +7121,7 @@
           <a:buFontTx/>
           <a:buNone/>
           <a:tabLst/>
-          <a:defRPr b="0" baseline="0" cap="none" i="0" spc="0" strike="noStrike" sz="1800" u="none" kumimoji="0" normalizeH="0">
+          <a:defRPr kumimoji="0" sz="1800" b="0" i="0" u="none" strike="noStrike" cap="none" spc="0" normalizeH="0" baseline="0">
             <a:ln>
               <a:noFill/>
             </a:ln>
@@ -6511,7 +7147,7 @@
           <a:buFontTx/>
           <a:buNone/>
           <a:tabLst/>
-          <a:defRPr b="0" baseline="0" cap="none" i="0" spc="0" strike="noStrike" sz="1800" u="none" kumimoji="0" normalizeH="0">
+          <a:defRPr kumimoji="0" sz="1800" b="0" i="0" u="none" strike="noStrike" cap="none" spc="0" normalizeH="0" baseline="0">
             <a:ln>
               <a:noFill/>
             </a:ln>
@@ -6524,9 +7160,15 @@
         </a:lvl9pPr>
       </a:lstStyle>
       <a:style>
-        <a:lnRef idx="0"/>
-        <a:fillRef idx="0"/>
-        <a:effectRef idx="0"/>
+        <a:lnRef idx="0">
+          <a:scrgbClr r="0" g="0" b="0"/>
+        </a:lnRef>
+        <a:fillRef idx="0">
+          <a:scrgbClr r="0" g="0" b="0"/>
+        </a:fillRef>
+        <a:effectRef idx="0">
+          <a:scrgbClr r="0" g="0" b="0"/>
+        </a:effectRef>
         <a:fontRef idx="none"/>
       </a:style>
     </a:spDef>
@@ -6541,7 +7183,7 @@
           <a:bevel/>
         </a:ln>
         <a:effectLst>
-          <a:outerShdw sx="100000" sy="100000" kx="0" ky="0" algn="b" rotWithShape="0" blurRad="38100" dist="20000" dir="5400000">
+          <a:outerShdw blurRad="38100" dist="20000" dir="5400000" rotWithShape="0">
             <a:srgbClr val="000000">
               <a:alpha val="38000"/>
             </a:srgbClr>
@@ -6549,7 +7191,7 @@
         </a:effectLst>
         <a:sp3d/>
       </a:spPr>
-      <a:bodyPr rot="0" spcFirstLastPara="1" vertOverflow="overflow" horzOverflow="overflow" vert="horz" wrap="square" lIns="91439" tIns="45719" rIns="91439" bIns="45719" numCol="1" spcCol="38100" rtlCol="0" anchor="t" upright="0">
+      <a:bodyPr rot="0" spcFirstLastPara="1" vertOverflow="overflow" horzOverflow="overflow" vert="horz" wrap="square" lIns="91439" tIns="45719" rIns="91439" bIns="45719" numCol="1" spcCol="38100" rtlCol="0" anchor="t">
         <a:noAutofit/>
       </a:bodyPr>
       <a:lstStyle>
@@ -6568,7 +7210,7 @@
           <a:buFontTx/>
           <a:buNone/>
           <a:tabLst/>
-          <a:defRPr b="0" baseline="0" cap="none" i="0" spc="0" strike="noStrike" sz="1800" u="none" kumimoji="0" normalizeH="0">
+          <a:defRPr kumimoji="0" sz="1800" b="0" i="0" u="none" strike="noStrike" cap="none" spc="0" normalizeH="0" baseline="0">
             <a:ln>
               <a:noFill/>
             </a:ln>
@@ -6594,7 +7236,7 @@
           <a:buFontTx/>
           <a:buNone/>
           <a:tabLst/>
-          <a:defRPr b="0" baseline="0" cap="none" i="0" spc="0" strike="noStrike" sz="1800" u="none" kumimoji="0" normalizeH="0">
+          <a:defRPr kumimoji="0" sz="1800" b="0" i="0" u="none" strike="noStrike" cap="none" spc="0" normalizeH="0" baseline="0">
             <a:ln>
               <a:noFill/>
             </a:ln>
@@ -6620,7 +7262,7 @@
           <a:buFontTx/>
           <a:buNone/>
           <a:tabLst/>
-          <a:defRPr b="0" baseline="0" cap="none" i="0" spc="0" strike="noStrike" sz="1800" u="none" kumimoji="0" normalizeH="0">
+          <a:defRPr kumimoji="0" sz="1800" b="0" i="0" u="none" strike="noStrike" cap="none" spc="0" normalizeH="0" baseline="0">
             <a:ln>
               <a:noFill/>
             </a:ln>
@@ -6646,7 +7288,7 @@
           <a:buFontTx/>
           <a:buNone/>
           <a:tabLst/>
-          <a:defRPr b="0" baseline="0" cap="none" i="0" spc="0" strike="noStrike" sz="1800" u="none" kumimoji="0" normalizeH="0">
+          <a:defRPr kumimoji="0" sz="1800" b="0" i="0" u="none" strike="noStrike" cap="none" spc="0" normalizeH="0" baseline="0">
             <a:ln>
               <a:noFill/>
             </a:ln>
@@ -6672,7 +7314,7 @@
           <a:buFontTx/>
           <a:buNone/>
           <a:tabLst/>
-          <a:defRPr b="0" baseline="0" cap="none" i="0" spc="0" strike="noStrike" sz="1800" u="none" kumimoji="0" normalizeH="0">
+          <a:defRPr kumimoji="0" sz="1800" b="0" i="0" u="none" strike="noStrike" cap="none" spc="0" normalizeH="0" baseline="0">
             <a:ln>
               <a:noFill/>
             </a:ln>
@@ -6698,7 +7340,7 @@
           <a:buFontTx/>
           <a:buNone/>
           <a:tabLst/>
-          <a:defRPr b="0" baseline="0" cap="none" i="0" spc="0" strike="noStrike" sz="1800" u="none" kumimoji="0" normalizeH="0">
+          <a:defRPr kumimoji="0" sz="1800" b="0" i="0" u="none" strike="noStrike" cap="none" spc="0" normalizeH="0" baseline="0">
             <a:ln>
               <a:noFill/>
             </a:ln>
@@ -6724,7 +7366,7 @@
           <a:buFontTx/>
           <a:buNone/>
           <a:tabLst/>
-          <a:defRPr b="0" baseline="0" cap="none" i="0" spc="0" strike="noStrike" sz="1800" u="none" kumimoji="0" normalizeH="0">
+          <a:defRPr kumimoji="0" sz="1800" b="0" i="0" u="none" strike="noStrike" cap="none" spc="0" normalizeH="0" baseline="0">
             <a:ln>
               <a:noFill/>
             </a:ln>
@@ -6750,7 +7392,7 @@
           <a:buFontTx/>
           <a:buNone/>
           <a:tabLst/>
-          <a:defRPr b="0" baseline="0" cap="none" i="0" spc="0" strike="noStrike" sz="1800" u="none" kumimoji="0" normalizeH="0">
+          <a:defRPr kumimoji="0" sz="1800" b="0" i="0" u="none" strike="noStrike" cap="none" spc="0" normalizeH="0" baseline="0">
             <a:ln>
               <a:noFill/>
             </a:ln>
@@ -6776,7 +7418,7 @@
           <a:buFontTx/>
           <a:buNone/>
           <a:tabLst/>
-          <a:defRPr b="0" baseline="0" cap="none" i="0" spc="0" strike="noStrike" sz="1800" u="none" kumimoji="0" normalizeH="0">
+          <a:defRPr kumimoji="0" sz="1800" b="0" i="0" u="none" strike="noStrike" cap="none" spc="0" normalizeH="0" baseline="0">
             <a:ln>
               <a:noFill/>
             </a:ln>
@@ -6802,7 +7444,7 @@
           <a:buFontTx/>
           <a:buNone/>
           <a:tabLst/>
-          <a:defRPr b="0" baseline="0" cap="none" i="0" spc="0" strike="noStrike" sz="1800" u="none" kumimoji="0" normalizeH="0">
+          <a:defRPr kumimoji="0" sz="1800" b="0" i="0" u="none" strike="noStrike" cap="none" spc="0" normalizeH="0" baseline="0">
             <a:ln>
               <a:noFill/>
             </a:ln>
@@ -6815,9 +7457,15 @@
         </a:lvl9pPr>
       </a:lstStyle>
       <a:style>
-        <a:lnRef idx="0"/>
-        <a:fillRef idx="0"/>
-        <a:effectRef idx="0"/>
+        <a:lnRef idx="0">
+          <a:scrgbClr r="0" g="0" b="0"/>
+        </a:lnRef>
+        <a:fillRef idx="0">
+          <a:scrgbClr r="0" g="0" b="0"/>
+        </a:fillRef>
+        <a:effectRef idx="0">
+          <a:scrgbClr r="0" g="0" b="0"/>
+        </a:effectRef>
         <a:fontRef idx="none"/>
       </a:style>
     </a:lnDef>
@@ -6831,7 +7479,7 @@
         <a:effectLst/>
         <a:sp3d/>
       </a:spPr>
-      <a:bodyPr rot="0" spcFirstLastPara="1" vertOverflow="overflow" horzOverflow="overflow" vert="horz" wrap="square" lIns="45719" tIns="45719" rIns="45719" bIns="45719" numCol="1" spcCol="38100" rtlCol="0" anchor="t" upright="0">
+      <a:bodyPr rot="0" spcFirstLastPara="1" vertOverflow="overflow" horzOverflow="overflow" vert="horz" wrap="square" lIns="45719" tIns="45719" rIns="45719" bIns="45719" numCol="1" spcCol="38100" rtlCol="0" anchor="t">
         <a:spAutoFit/>
       </a:bodyPr>
       <a:lstStyle>
@@ -6850,7 +7498,7 @@
           <a:buFontTx/>
           <a:buNone/>
           <a:tabLst/>
-          <a:defRPr b="0" baseline="0" cap="none" i="0" spc="0" strike="noStrike" sz="2400" u="none" kumimoji="0" normalizeH="0">
+          <a:defRPr kumimoji="0" sz="2400" b="0" i="0" u="none" strike="noStrike" cap="none" spc="0" normalizeH="0" baseline="0">
             <a:ln>
               <a:noFill/>
             </a:ln>
@@ -6880,7 +7528,7 @@
           <a:buFontTx/>
           <a:buNone/>
           <a:tabLst/>
-          <a:defRPr b="0" baseline="0" cap="none" i="0" spc="0" strike="noStrike" sz="1800" u="none" kumimoji="0" normalizeH="0">
+          <a:defRPr kumimoji="0" sz="1800" b="0" i="0" u="none" strike="noStrike" cap="none" spc="0" normalizeH="0" baseline="0">
             <a:ln>
               <a:noFill/>
             </a:ln>
@@ -6906,7 +7554,7 @@
           <a:buFontTx/>
           <a:buNone/>
           <a:tabLst/>
-          <a:defRPr b="0" baseline="0" cap="none" i="0" spc="0" strike="noStrike" sz="1800" u="none" kumimoji="0" normalizeH="0">
+          <a:defRPr kumimoji="0" sz="1800" b="0" i="0" u="none" strike="noStrike" cap="none" spc="0" normalizeH="0" baseline="0">
             <a:ln>
               <a:noFill/>
             </a:ln>
@@ -6932,7 +7580,7 @@
           <a:buFontTx/>
           <a:buNone/>
           <a:tabLst/>
-          <a:defRPr b="0" baseline="0" cap="none" i="0" spc="0" strike="noStrike" sz="1800" u="none" kumimoji="0" normalizeH="0">
+          <a:defRPr kumimoji="0" sz="1800" b="0" i="0" u="none" strike="noStrike" cap="none" spc="0" normalizeH="0" baseline="0">
             <a:ln>
               <a:noFill/>
             </a:ln>
@@ -6958,7 +7606,7 @@
           <a:buFontTx/>
           <a:buNone/>
           <a:tabLst/>
-          <a:defRPr b="0" baseline="0" cap="none" i="0" spc="0" strike="noStrike" sz="1800" u="none" kumimoji="0" normalizeH="0">
+          <a:defRPr kumimoji="0" sz="1800" b="0" i="0" u="none" strike="noStrike" cap="none" spc="0" normalizeH="0" baseline="0">
             <a:ln>
               <a:noFill/>
             </a:ln>
@@ -6984,7 +7632,7 @@
           <a:buFontTx/>
           <a:buNone/>
           <a:tabLst/>
-          <a:defRPr b="0" baseline="0" cap="none" i="0" spc="0" strike="noStrike" sz="1800" u="none" kumimoji="0" normalizeH="0">
+          <a:defRPr kumimoji="0" sz="1800" b="0" i="0" u="none" strike="noStrike" cap="none" spc="0" normalizeH="0" baseline="0">
             <a:ln>
               <a:noFill/>
             </a:ln>
@@ -7010,7 +7658,7 @@
           <a:buFontTx/>
           <a:buNone/>
           <a:tabLst/>
-          <a:defRPr b="0" baseline="0" cap="none" i="0" spc="0" strike="noStrike" sz="1800" u="none" kumimoji="0" normalizeH="0">
+          <a:defRPr kumimoji="0" sz="1800" b="0" i="0" u="none" strike="noStrike" cap="none" spc="0" normalizeH="0" baseline="0">
             <a:ln>
               <a:noFill/>
             </a:ln>
@@ -7036,7 +7684,7 @@
           <a:buFontTx/>
           <a:buNone/>
           <a:tabLst/>
-          <a:defRPr b="0" baseline="0" cap="none" i="0" spc="0" strike="noStrike" sz="1800" u="none" kumimoji="0" normalizeH="0">
+          <a:defRPr kumimoji="0" sz="1800" b="0" i="0" u="none" strike="noStrike" cap="none" spc="0" normalizeH="0" baseline="0">
             <a:ln>
               <a:noFill/>
             </a:ln>
@@ -7062,7 +7710,7 @@
           <a:buFontTx/>
           <a:buNone/>
           <a:tabLst/>
-          <a:defRPr b="0" baseline="0" cap="none" i="0" spc="0" strike="noStrike" sz="1800" u="none" kumimoji="0" normalizeH="0">
+          <a:defRPr kumimoji="0" sz="1800" b="0" i="0" u="none" strike="noStrike" cap="none" spc="0" normalizeH="0" baseline="0">
             <a:ln>
               <a:noFill/>
             </a:ln>
@@ -7088,7 +7736,7 @@
           <a:buFontTx/>
           <a:buNone/>
           <a:tabLst/>
-          <a:defRPr b="0" baseline="0" cap="none" i="0" spc="0" strike="noStrike" sz="1800" u="none" kumimoji="0" normalizeH="0">
+          <a:defRPr kumimoji="0" sz="1800" b="0" i="0" u="none" strike="noStrike" cap="none" spc="0" normalizeH="0" baseline="0">
             <a:ln>
               <a:noFill/>
             </a:ln>
@@ -7101,18 +7749,25 @@
         </a:lvl9pPr>
       </a:lstStyle>
       <a:style>
-        <a:lnRef idx="0"/>
-        <a:fillRef idx="0"/>
-        <a:effectRef idx="0"/>
+        <a:lnRef idx="0">
+          <a:scrgbClr r="0" g="0" b="0"/>
+        </a:lnRef>
+        <a:fillRef idx="0">
+          <a:scrgbClr r="0" g="0" b="0"/>
+        </a:fillRef>
+        <a:effectRef idx="0">
+          <a:scrgbClr r="0" g="0" b="0"/>
+        </a:effectRef>
         <a:fontRef idx="none"/>
       </a:style>
     </a:txDef>
   </a:objectDefaults>
+  <a:extraClrSchemeLst/>
 </a:theme>
 </file>
 
 <file path=ppt/theme/theme2.xml><?xml version="1.0" encoding="utf-8"?>
-<a:theme xmlns:a="http://schemas.openxmlformats.org/drawingml/2006/main" xmlns:r="http://schemas.openxmlformats.org/officeDocument/2006/relationships" name="Default">
+<a:theme xmlns:a="http://schemas.openxmlformats.org/drawingml/2006/main" name="Default">
   <a:themeElements>
     <a:clrScheme name="Default">
       <a:dk1>
@@ -7244,7 +7899,7 @@
         </a:effectStyle>
         <a:effectStyle>
           <a:effectLst>
-            <a:outerShdw sx="100000" sy="100000" kx="0" ky="0" algn="b" rotWithShape="0" blurRad="38100" dist="20000" dir="5400000">
+            <a:outerShdw blurRad="38100" dist="20000" dir="5400000" rotWithShape="0">
               <a:srgbClr val="000000">
                 <a:alpha val="38000"/>
               </a:srgbClr>
@@ -7322,7 +7977,7 @@
         <a:effectLst/>
         <a:sp3d/>
       </a:spPr>
-      <a:bodyPr rot="0" spcFirstLastPara="1" vertOverflow="overflow" horzOverflow="overflow" vert="horz" wrap="square" lIns="45719" tIns="45719" rIns="45719" bIns="45719" numCol="1" spcCol="38100" rtlCol="0" anchor="t" upright="0">
+      <a:bodyPr rot="0" spcFirstLastPara="1" vertOverflow="overflow" horzOverflow="overflow" vert="horz" wrap="square" lIns="45719" tIns="45719" rIns="45719" bIns="45719" numCol="1" spcCol="38100" rtlCol="0" anchor="t">
         <a:spAutoFit/>
       </a:bodyPr>
       <a:lstStyle>
@@ -7341,7 +7996,7 @@
           <a:buFontTx/>
           <a:buNone/>
           <a:tabLst/>
-          <a:defRPr b="0" baseline="0" cap="none" i="0" spc="0" strike="noStrike" sz="2400" u="none" kumimoji="0" normalizeH="0">
+          <a:defRPr kumimoji="0" sz="2400" b="0" i="0" u="none" strike="noStrike" cap="none" spc="0" normalizeH="0" baseline="0">
             <a:ln>
               <a:noFill/>
             </a:ln>
@@ -7371,7 +8026,7 @@
           <a:buFontTx/>
           <a:buNone/>
           <a:tabLst/>
-          <a:defRPr b="0" baseline="0" cap="none" i="0" spc="0" strike="noStrike" sz="1800" u="none" kumimoji="0" normalizeH="0">
+          <a:defRPr kumimoji="0" sz="1800" b="0" i="0" u="none" strike="noStrike" cap="none" spc="0" normalizeH="0" baseline="0">
             <a:ln>
               <a:noFill/>
             </a:ln>
@@ -7397,7 +8052,7 @@
           <a:buFontTx/>
           <a:buNone/>
           <a:tabLst/>
-          <a:defRPr b="0" baseline="0" cap="none" i="0" spc="0" strike="noStrike" sz="1800" u="none" kumimoji="0" normalizeH="0">
+          <a:defRPr kumimoji="0" sz="1800" b="0" i="0" u="none" strike="noStrike" cap="none" spc="0" normalizeH="0" baseline="0">
             <a:ln>
               <a:noFill/>
             </a:ln>
@@ -7423,7 +8078,7 @@
           <a:buFontTx/>
           <a:buNone/>
           <a:tabLst/>
-          <a:defRPr b="0" baseline="0" cap="none" i="0" spc="0" strike="noStrike" sz="1800" u="none" kumimoji="0" normalizeH="0">
+          <a:defRPr kumimoji="0" sz="1800" b="0" i="0" u="none" strike="noStrike" cap="none" spc="0" normalizeH="0" baseline="0">
             <a:ln>
               <a:noFill/>
             </a:ln>
@@ -7449,7 +8104,7 @@
           <a:buFontTx/>
           <a:buNone/>
           <a:tabLst/>
-          <a:defRPr b="0" baseline="0" cap="none" i="0" spc="0" strike="noStrike" sz="1800" u="none" kumimoji="0" normalizeH="0">
+          <a:defRPr kumimoji="0" sz="1800" b="0" i="0" u="none" strike="noStrike" cap="none" spc="0" normalizeH="0" baseline="0">
             <a:ln>
               <a:noFill/>
             </a:ln>
@@ -7475,7 +8130,7 @@
           <a:buFontTx/>
           <a:buNone/>
           <a:tabLst/>
-          <a:defRPr b="0" baseline="0" cap="none" i="0" spc="0" strike="noStrike" sz="1800" u="none" kumimoji="0" normalizeH="0">
+          <a:defRPr kumimoji="0" sz="1800" b="0" i="0" u="none" strike="noStrike" cap="none" spc="0" normalizeH="0" baseline="0">
             <a:ln>
               <a:noFill/>
             </a:ln>
@@ -7501,7 +8156,7 @@
           <a:buFontTx/>
           <a:buNone/>
           <a:tabLst/>
-          <a:defRPr b="0" baseline="0" cap="none" i="0" spc="0" strike="noStrike" sz="1800" u="none" kumimoji="0" normalizeH="0">
+          <a:defRPr kumimoji="0" sz="1800" b="0" i="0" u="none" strike="noStrike" cap="none" spc="0" normalizeH="0" baseline="0">
             <a:ln>
               <a:noFill/>
             </a:ln>
@@ -7527,7 +8182,7 @@
           <a:buFontTx/>
           <a:buNone/>
           <a:tabLst/>
-          <a:defRPr b="0" baseline="0" cap="none" i="0" spc="0" strike="noStrike" sz="1800" u="none" kumimoji="0" normalizeH="0">
+          <a:defRPr kumimoji="0" sz="1800" b="0" i="0" u="none" strike="noStrike" cap="none" spc="0" normalizeH="0" baseline="0">
             <a:ln>
               <a:noFill/>
             </a:ln>
@@ -7553,7 +8208,7 @@
           <a:buFontTx/>
           <a:buNone/>
           <a:tabLst/>
-          <a:defRPr b="0" baseline="0" cap="none" i="0" spc="0" strike="noStrike" sz="1800" u="none" kumimoji="0" normalizeH="0">
+          <a:defRPr kumimoji="0" sz="1800" b="0" i="0" u="none" strike="noStrike" cap="none" spc="0" normalizeH="0" baseline="0">
             <a:ln>
               <a:noFill/>
             </a:ln>
@@ -7579,7 +8234,7 @@
           <a:buFontTx/>
           <a:buNone/>
           <a:tabLst/>
-          <a:defRPr b="0" baseline="0" cap="none" i="0" spc="0" strike="noStrike" sz="1800" u="none" kumimoji="0" normalizeH="0">
+          <a:defRPr kumimoji="0" sz="1800" b="0" i="0" u="none" strike="noStrike" cap="none" spc="0" normalizeH="0" baseline="0">
             <a:ln>
               <a:noFill/>
             </a:ln>
@@ -7592,9 +8247,15 @@
         </a:lvl9pPr>
       </a:lstStyle>
       <a:style>
-        <a:lnRef idx="0"/>
-        <a:fillRef idx="0"/>
-        <a:effectRef idx="0"/>
+        <a:lnRef idx="0">
+          <a:scrgbClr r="0" g="0" b="0"/>
+        </a:lnRef>
+        <a:fillRef idx="0">
+          <a:scrgbClr r="0" g="0" b="0"/>
+        </a:fillRef>
+        <a:effectRef idx="0">
+          <a:scrgbClr r="0" g="0" b="0"/>
+        </a:effectRef>
         <a:fontRef idx="none"/>
       </a:style>
     </a:spDef>
@@ -7609,7 +8270,7 @@
           <a:bevel/>
         </a:ln>
         <a:effectLst>
-          <a:outerShdw sx="100000" sy="100000" kx="0" ky="0" algn="b" rotWithShape="0" blurRad="38100" dist="20000" dir="5400000">
+          <a:outerShdw blurRad="38100" dist="20000" dir="5400000" rotWithShape="0">
             <a:srgbClr val="000000">
               <a:alpha val="38000"/>
             </a:srgbClr>
@@ -7617,7 +8278,7 @@
         </a:effectLst>
         <a:sp3d/>
       </a:spPr>
-      <a:bodyPr rot="0" spcFirstLastPara="1" vertOverflow="overflow" horzOverflow="overflow" vert="horz" wrap="square" lIns="91439" tIns="45719" rIns="91439" bIns="45719" numCol="1" spcCol="38100" rtlCol="0" anchor="t" upright="0">
+      <a:bodyPr rot="0" spcFirstLastPara="1" vertOverflow="overflow" horzOverflow="overflow" vert="horz" wrap="square" lIns="91439" tIns="45719" rIns="91439" bIns="45719" numCol="1" spcCol="38100" rtlCol="0" anchor="t">
         <a:noAutofit/>
       </a:bodyPr>
       <a:lstStyle>
@@ -7636,7 +8297,7 @@
           <a:buFontTx/>
           <a:buNone/>
           <a:tabLst/>
-          <a:defRPr b="0" baseline="0" cap="none" i="0" spc="0" strike="noStrike" sz="1800" u="none" kumimoji="0" normalizeH="0">
+          <a:defRPr kumimoji="0" sz="1800" b="0" i="0" u="none" strike="noStrike" cap="none" spc="0" normalizeH="0" baseline="0">
             <a:ln>
               <a:noFill/>
             </a:ln>
@@ -7662,7 +8323,7 @@
           <a:buFontTx/>
           <a:buNone/>
           <a:tabLst/>
-          <a:defRPr b="0" baseline="0" cap="none" i="0" spc="0" strike="noStrike" sz="1800" u="none" kumimoji="0" normalizeH="0">
+          <a:defRPr kumimoji="0" sz="1800" b="0" i="0" u="none" strike="noStrike" cap="none" spc="0" normalizeH="0" baseline="0">
             <a:ln>
               <a:noFill/>
             </a:ln>
@@ -7688,7 +8349,7 @@
           <a:buFontTx/>
           <a:buNone/>
           <a:tabLst/>
-          <a:defRPr b="0" baseline="0" cap="none" i="0" spc="0" strike="noStrike" sz="1800" u="none" kumimoji="0" normalizeH="0">
+          <a:defRPr kumimoji="0" sz="1800" b="0" i="0" u="none" strike="noStrike" cap="none" spc="0" normalizeH="0" baseline="0">
             <a:ln>
               <a:noFill/>
             </a:ln>
@@ -7714,7 +8375,7 @@
           <a:buFontTx/>
           <a:buNone/>
           <a:tabLst/>
-          <a:defRPr b="0" baseline="0" cap="none" i="0" spc="0" strike="noStrike" sz="1800" u="none" kumimoji="0" normalizeH="0">
+          <a:defRPr kumimoji="0" sz="1800" b="0" i="0" u="none" strike="noStrike" cap="none" spc="0" normalizeH="0" baseline="0">
             <a:ln>
               <a:noFill/>
             </a:ln>
@@ -7740,7 +8401,7 @@
           <a:buFontTx/>
           <a:buNone/>
           <a:tabLst/>
-          <a:defRPr b="0" baseline="0" cap="none" i="0" spc="0" strike="noStrike" sz="1800" u="none" kumimoji="0" normalizeH="0">
+          <a:defRPr kumimoji="0" sz="1800" b="0" i="0" u="none" strike="noStrike" cap="none" spc="0" normalizeH="0" baseline="0">
             <a:ln>
               <a:noFill/>
             </a:ln>
@@ -7766,7 +8427,7 @@
           <a:buFontTx/>
           <a:buNone/>
           <a:tabLst/>
-          <a:defRPr b="0" baseline="0" cap="none" i="0" spc="0" strike="noStrike" sz="1800" u="none" kumimoji="0" normalizeH="0">
+          <a:defRPr kumimoji="0" sz="1800" b="0" i="0" u="none" strike="noStrike" cap="none" spc="0" normalizeH="0" baseline="0">
             <a:ln>
               <a:noFill/>
             </a:ln>
@@ -7792,7 +8453,7 @@
           <a:buFontTx/>
           <a:buNone/>
           <a:tabLst/>
-          <a:defRPr b="0" baseline="0" cap="none" i="0" spc="0" strike="noStrike" sz="1800" u="none" kumimoji="0" normalizeH="0">
+          <a:defRPr kumimoji="0" sz="1800" b="0" i="0" u="none" strike="noStrike" cap="none" spc="0" normalizeH="0" baseline="0">
             <a:ln>
               <a:noFill/>
             </a:ln>
@@ -7818,7 +8479,7 @@
           <a:buFontTx/>
           <a:buNone/>
           <a:tabLst/>
-          <a:defRPr b="0" baseline="0" cap="none" i="0" spc="0" strike="noStrike" sz="1800" u="none" kumimoji="0" normalizeH="0">
+          <a:defRPr kumimoji="0" sz="1800" b="0" i="0" u="none" strike="noStrike" cap="none" spc="0" normalizeH="0" baseline="0">
             <a:ln>
               <a:noFill/>
             </a:ln>
@@ -7844,7 +8505,7 @@
           <a:buFontTx/>
           <a:buNone/>
           <a:tabLst/>
-          <a:defRPr b="0" baseline="0" cap="none" i="0" spc="0" strike="noStrike" sz="1800" u="none" kumimoji="0" normalizeH="0">
+          <a:defRPr kumimoji="0" sz="1800" b="0" i="0" u="none" strike="noStrike" cap="none" spc="0" normalizeH="0" baseline="0">
             <a:ln>
               <a:noFill/>
             </a:ln>
@@ -7870,7 +8531,7 @@
           <a:buFontTx/>
           <a:buNone/>
           <a:tabLst/>
-          <a:defRPr b="0" baseline="0" cap="none" i="0" spc="0" strike="noStrike" sz="1800" u="none" kumimoji="0" normalizeH="0">
+          <a:defRPr kumimoji="0" sz="1800" b="0" i="0" u="none" strike="noStrike" cap="none" spc="0" normalizeH="0" baseline="0">
             <a:ln>
               <a:noFill/>
             </a:ln>
@@ -7883,9 +8544,15 @@
         </a:lvl9pPr>
       </a:lstStyle>
       <a:style>
-        <a:lnRef idx="0"/>
-        <a:fillRef idx="0"/>
-        <a:effectRef idx="0"/>
+        <a:lnRef idx="0">
+          <a:scrgbClr r="0" g="0" b="0"/>
+        </a:lnRef>
+        <a:fillRef idx="0">
+          <a:scrgbClr r="0" g="0" b="0"/>
+        </a:fillRef>
+        <a:effectRef idx="0">
+          <a:scrgbClr r="0" g="0" b="0"/>
+        </a:effectRef>
         <a:fontRef idx="none"/>
       </a:style>
     </a:lnDef>
@@ -7899,7 +8566,7 @@
         <a:effectLst/>
         <a:sp3d/>
       </a:spPr>
-      <a:bodyPr rot="0" spcFirstLastPara="1" vertOverflow="overflow" horzOverflow="overflow" vert="horz" wrap="square" lIns="45719" tIns="45719" rIns="45719" bIns="45719" numCol="1" spcCol="38100" rtlCol="0" anchor="t" upright="0">
+      <a:bodyPr rot="0" spcFirstLastPara="1" vertOverflow="overflow" horzOverflow="overflow" vert="horz" wrap="square" lIns="45719" tIns="45719" rIns="45719" bIns="45719" numCol="1" spcCol="38100" rtlCol="0" anchor="t">
         <a:spAutoFit/>
       </a:bodyPr>
       <a:lstStyle>
@@ -7918,7 +8585,7 @@
           <a:buFontTx/>
           <a:buNone/>
           <a:tabLst/>
-          <a:defRPr b="0" baseline="0" cap="none" i="0" spc="0" strike="noStrike" sz="2400" u="none" kumimoji="0" normalizeH="0">
+          <a:defRPr kumimoji="0" sz="2400" b="0" i="0" u="none" strike="noStrike" cap="none" spc="0" normalizeH="0" baseline="0">
             <a:ln>
               <a:noFill/>
             </a:ln>
@@ -7948,7 +8615,7 @@
           <a:buFontTx/>
           <a:buNone/>
           <a:tabLst/>
-          <a:defRPr b="0" baseline="0" cap="none" i="0" spc="0" strike="noStrike" sz="1800" u="none" kumimoji="0" normalizeH="0">
+          <a:defRPr kumimoji="0" sz="1800" b="0" i="0" u="none" strike="noStrike" cap="none" spc="0" normalizeH="0" baseline="0">
             <a:ln>
               <a:noFill/>
             </a:ln>
@@ -7974,7 +8641,7 @@
           <a:buFontTx/>
           <a:buNone/>
           <a:tabLst/>
-          <a:defRPr b="0" baseline="0" cap="none" i="0" spc="0" strike="noStrike" sz="1800" u="none" kumimoji="0" normalizeH="0">
+          <a:defRPr kumimoji="0" sz="1800" b="0" i="0" u="none" strike="noStrike" cap="none" spc="0" normalizeH="0" baseline="0">
             <a:ln>
               <a:noFill/>
             </a:ln>
@@ -8000,7 +8667,7 @@
           <a:buFontTx/>
           <a:buNone/>
           <a:tabLst/>
-          <a:defRPr b="0" baseline="0" cap="none" i="0" spc="0" strike="noStrike" sz="1800" u="none" kumimoji="0" normalizeH="0">
+          <a:defRPr kumimoji="0" sz="1800" b="0" i="0" u="none" strike="noStrike" cap="none" spc="0" normalizeH="0" baseline="0">
             <a:ln>
               <a:noFill/>
             </a:ln>
@@ -8026,7 +8693,7 @@
           <a:buFontTx/>
           <a:buNone/>
           <a:tabLst/>
-          <a:defRPr b="0" baseline="0" cap="none" i="0" spc="0" strike="noStrike" sz="1800" u="none" kumimoji="0" normalizeH="0">
+          <a:defRPr kumimoji="0" sz="1800" b="0" i="0" u="none" strike="noStrike" cap="none" spc="0" normalizeH="0" baseline="0">
             <a:ln>
               <a:noFill/>
             </a:ln>
@@ -8052,7 +8719,7 @@
           <a:buFontTx/>
           <a:buNone/>
           <a:tabLst/>
-          <a:defRPr b="0" baseline="0" cap="none" i="0" spc="0" strike="noStrike" sz="1800" u="none" kumimoji="0" normalizeH="0">
+          <a:defRPr kumimoji="0" sz="1800" b="0" i="0" u="none" strike="noStrike" cap="none" spc="0" normalizeH="0" baseline="0">
             <a:ln>
               <a:noFill/>
             </a:ln>
@@ -8078,7 +8745,7 @@
           <a:buFontTx/>
           <a:buNone/>
           <a:tabLst/>
-          <a:defRPr b="0" baseline="0" cap="none" i="0" spc="0" strike="noStrike" sz="1800" u="none" kumimoji="0" normalizeH="0">
+          <a:defRPr kumimoji="0" sz="1800" b="0" i="0" u="none" strike="noStrike" cap="none" spc="0" normalizeH="0" baseline="0">
             <a:ln>
               <a:noFill/>
             </a:ln>
@@ -8104,7 +8771,7 @@
           <a:buFontTx/>
           <a:buNone/>
           <a:tabLst/>
-          <a:defRPr b="0" baseline="0" cap="none" i="0" spc="0" strike="noStrike" sz="1800" u="none" kumimoji="0" normalizeH="0">
+          <a:defRPr kumimoji="0" sz="1800" b="0" i="0" u="none" strike="noStrike" cap="none" spc="0" normalizeH="0" baseline="0">
             <a:ln>
               <a:noFill/>
             </a:ln>
@@ -8130,7 +8797,7 @@
           <a:buFontTx/>
           <a:buNone/>
           <a:tabLst/>
-          <a:defRPr b="0" baseline="0" cap="none" i="0" spc="0" strike="noStrike" sz="1800" u="none" kumimoji="0" normalizeH="0">
+          <a:defRPr kumimoji="0" sz="1800" b="0" i="0" u="none" strike="noStrike" cap="none" spc="0" normalizeH="0" baseline="0">
             <a:ln>
               <a:noFill/>
             </a:ln>
@@ -8156,7 +8823,7 @@
           <a:buFontTx/>
           <a:buNone/>
           <a:tabLst/>
-          <a:defRPr b="0" baseline="0" cap="none" i="0" spc="0" strike="noStrike" sz="1800" u="none" kumimoji="0" normalizeH="0">
+          <a:defRPr kumimoji="0" sz="1800" b="0" i="0" u="none" strike="noStrike" cap="none" spc="0" normalizeH="0" baseline="0">
             <a:ln>
               <a:noFill/>
             </a:ln>
@@ -8169,12 +8836,19 @@
         </a:lvl9pPr>
       </a:lstStyle>
       <a:style>
-        <a:lnRef idx="0"/>
-        <a:fillRef idx="0"/>
-        <a:effectRef idx="0"/>
+        <a:lnRef idx="0">
+          <a:scrgbClr r="0" g="0" b="0"/>
+        </a:lnRef>
+        <a:fillRef idx="0">
+          <a:scrgbClr r="0" g="0" b="0"/>
+        </a:fillRef>
+        <a:effectRef idx="0">
+          <a:scrgbClr r="0" g="0" b="0"/>
+        </a:effectRef>
         <a:fontRef idx="none"/>
       </a:style>
     </a:txDef>
   </a:objectDefaults>
+  <a:extraClrSchemeLst/>
 </a:theme>
 </file>